--- a/Car Resale Price Prediction.pptx
+++ b/Car Resale Price Prediction.pptx
@@ -14,9 +14,12 @@
     <p:sldId id="260" r:id="rId8"/>
     <p:sldId id="261" r:id="rId9"/>
     <p:sldId id="265" r:id="rId10"/>
-    <p:sldId id="262" r:id="rId11"/>
-    <p:sldId id="264" r:id="rId12"/>
-    <p:sldId id="263" r:id="rId13"/>
+    <p:sldId id="268" r:id="rId11"/>
+    <p:sldId id="269" r:id="rId12"/>
+    <p:sldId id="270" r:id="rId13"/>
+    <p:sldId id="271" r:id="rId14"/>
+    <p:sldId id="262" r:id="rId15"/>
+    <p:sldId id="263" r:id="rId16"/>
   </p:sldIdLst>
   <p:sldSz cx="10801350" cy="6858000"/>
   <p:notesSz cx="6858000" cy="9144000"/>
@@ -3180,22 +3183,84 @@
       </p:grpSpPr>
       <p:sp>
         <p:nvSpPr>
-          <p:cNvPr id="2" name="Title 1"/>
-          <p:cNvSpPr>
-            <a:spLocks noGrp="1"/>
-          </p:cNvSpPr>
-          <p:nvPr>
-            <p:ph type="title"/>
-          </p:nvPr>
-        </p:nvSpPr>
-        <p:spPr/>
-        <p:txBody>
-          <a:bodyPr/>
-          <a:lstStyle/>
-          <a:p>
+          <p:cNvPr id="3" name="Oval 2"/>
+          <p:cNvSpPr/>
+          <p:nvPr/>
+        </p:nvSpPr>
+        <p:spPr>
+          <a:xfrm>
+            <a:off x="1440235" y="313899"/>
+            <a:ext cx="1145194" cy="1050878"/>
+          </a:xfrm>
+          <a:prstGeom prst="ellipse">
+            <a:avLst/>
+          </a:prstGeom>
+        </p:spPr>
+        <p:style>
+          <a:lnRef idx="3">
+            <a:schemeClr val="lt1"/>
+          </a:lnRef>
+          <a:fillRef idx="1">
+            <a:schemeClr val="accent4"/>
+          </a:fillRef>
+          <a:effectRef idx="1">
+            <a:schemeClr val="accent4"/>
+          </a:effectRef>
+          <a:fontRef idx="minor">
+            <a:schemeClr val="lt1"/>
+          </a:fontRef>
+        </p:style>
+        <p:txBody>
+          <a:bodyPr rtlCol="0" anchor="ctr"/>
+          <a:lstStyle/>
+          <a:p>
+            <a:pPr algn="ctr"/>
             <a:r>
               <a:rPr lang="en-IN" b="1" dirty="0" smtClean="0"/>
-              <a:t>User Interface</a:t>
+              <a:t>Start</a:t>
+            </a:r>
+          </a:p>
+        </p:txBody>
+      </p:sp>
+      <p:sp>
+        <p:nvSpPr>
+          <p:cNvPr id="4" name="Rounded Rectangle 3"/>
+          <p:cNvSpPr/>
+          <p:nvPr/>
+        </p:nvSpPr>
+        <p:spPr>
+          <a:xfrm>
+            <a:off x="1224211" y="1705970"/>
+            <a:ext cx="1514406" cy="1132764"/>
+          </a:xfrm>
+          <a:prstGeom prst="roundRect">
+            <a:avLst/>
+          </a:prstGeom>
+        </p:spPr>
+        <p:style>
+          <a:lnRef idx="2">
+            <a:schemeClr val="accent1">
+              <a:shade val="50000"/>
+            </a:schemeClr>
+          </a:lnRef>
+          <a:fillRef idx="1">
+            <a:schemeClr val="accent1"/>
+          </a:fillRef>
+          <a:effectRef idx="0">
+            <a:schemeClr val="accent1"/>
+          </a:effectRef>
+          <a:fontRef idx="minor">
+            <a:schemeClr val="lt1"/>
+          </a:fontRef>
+        </p:style>
+        <p:txBody>
+          <a:bodyPr rtlCol="0" anchor="ctr"/>
+          <a:lstStyle/>
+          <a:p>
+            <a:pPr algn="ctr"/>
+            <a:r>
+              <a:rPr lang="en-IN" b="1" dirty="0" smtClean="0"/>
+              <a:t>Data Collection</a:t>
             </a:r>
             <a:endParaRPr lang="en-IN" b="1" dirty="0"/>
           </a:p>
@@ -3203,75 +3268,782 @@
       </p:sp>
       <p:sp>
         <p:nvSpPr>
-          <p:cNvPr id="4" name="TextBox 3"/>
-          <p:cNvSpPr txBox="1"/>
-          <p:nvPr/>
-        </p:nvSpPr>
-        <p:spPr>
-          <a:xfrm>
-            <a:off x="637346" y="1628801"/>
-            <a:ext cx="9186421" cy="4678204"/>
+          <p:cNvPr id="5" name="Rounded Rectangle 4"/>
+          <p:cNvSpPr/>
+          <p:nvPr/>
+        </p:nvSpPr>
+        <p:spPr>
+          <a:xfrm>
+            <a:off x="1080195" y="3552968"/>
+            <a:ext cx="1872208" cy="980365"/>
+          </a:xfrm>
+          <a:prstGeom prst="roundRect">
+            <a:avLst/>
+          </a:prstGeom>
+        </p:spPr>
+        <p:style>
+          <a:lnRef idx="2">
+            <a:schemeClr val="accent1">
+              <a:shade val="50000"/>
+            </a:schemeClr>
+          </a:lnRef>
+          <a:fillRef idx="1">
+            <a:schemeClr val="accent1"/>
+          </a:fillRef>
+          <a:effectRef idx="0">
+            <a:schemeClr val="accent1"/>
+          </a:effectRef>
+          <a:fontRef idx="minor">
+            <a:schemeClr val="lt1"/>
+          </a:fontRef>
+        </p:style>
+        <p:txBody>
+          <a:bodyPr rtlCol="0" anchor="ctr"/>
+          <a:lstStyle/>
+          <a:p>
+            <a:pPr algn="ctr"/>
+            <a:r>
+              <a:rPr lang="en-IN" b="1" dirty="0" smtClean="0"/>
+              <a:t>Data </a:t>
+            </a:r>
+            <a:r>
+              <a:rPr lang="en-IN" b="1" dirty="0" smtClean="0"/>
+              <a:t>Cleaning</a:t>
+            </a:r>
+            <a:endParaRPr lang="en-IN" b="1" dirty="0" smtClean="0"/>
+          </a:p>
+        </p:txBody>
+      </p:sp>
+      <p:sp>
+        <p:nvSpPr>
+          <p:cNvPr id="6" name="Rounded Rectangle 5"/>
+          <p:cNvSpPr/>
+          <p:nvPr/>
+        </p:nvSpPr>
+        <p:spPr>
+          <a:xfrm>
+            <a:off x="1080195" y="5097439"/>
+            <a:ext cx="1786051" cy="980365"/>
+          </a:xfrm>
+          <a:prstGeom prst="roundRect">
+            <a:avLst/>
+          </a:prstGeom>
+        </p:spPr>
+        <p:style>
+          <a:lnRef idx="2">
+            <a:schemeClr val="accent1">
+              <a:shade val="50000"/>
+            </a:schemeClr>
+          </a:lnRef>
+          <a:fillRef idx="1">
+            <a:schemeClr val="accent1"/>
+          </a:fillRef>
+          <a:effectRef idx="0">
+            <a:schemeClr val="accent1"/>
+          </a:effectRef>
+          <a:fontRef idx="minor">
+            <a:schemeClr val="lt1"/>
+          </a:fontRef>
+        </p:style>
+        <p:txBody>
+          <a:bodyPr rtlCol="0" anchor="ctr"/>
+          <a:lstStyle/>
+          <a:p>
+            <a:pPr algn="ctr"/>
+            <a:r>
+              <a:rPr lang="en-IN" b="1" dirty="0" smtClean="0"/>
+              <a:t>Data </a:t>
+            </a:r>
+            <a:r>
+              <a:rPr lang="en-IN" b="1" dirty="0" smtClean="0"/>
+              <a:t>Transformation</a:t>
+            </a:r>
+            <a:endParaRPr lang="en-IN" b="1" dirty="0" smtClean="0"/>
+          </a:p>
+        </p:txBody>
+      </p:sp>
+      <p:sp>
+        <p:nvSpPr>
+          <p:cNvPr id="8" name="Flowchart: Decision 7"/>
+          <p:cNvSpPr/>
+          <p:nvPr/>
+        </p:nvSpPr>
+        <p:spPr>
+          <a:xfrm>
+            <a:off x="6120755" y="241213"/>
+            <a:ext cx="2736304" cy="1603611"/>
+          </a:xfrm>
+          <a:prstGeom prst="flowChartDecision">
+            <a:avLst/>
+          </a:prstGeom>
+        </p:spPr>
+        <p:style>
+          <a:lnRef idx="2">
+            <a:schemeClr val="accent1">
+              <a:shade val="50000"/>
+            </a:schemeClr>
+          </a:lnRef>
+          <a:fillRef idx="1">
+            <a:schemeClr val="accent1"/>
+          </a:fillRef>
+          <a:effectRef idx="0">
+            <a:schemeClr val="accent1"/>
+          </a:effectRef>
+          <a:fontRef idx="minor">
+            <a:schemeClr val="lt1"/>
+          </a:fontRef>
+        </p:style>
+        <p:txBody>
+          <a:bodyPr rtlCol="0" anchor="ctr"/>
+          <a:lstStyle/>
+          <a:p>
+            <a:pPr algn="ctr"/>
+            <a:r>
+              <a:rPr lang="en-IN" b="1" dirty="0" smtClean="0"/>
+              <a:t>Training and testing the model</a:t>
+            </a:r>
+            <a:endParaRPr lang="en-IN" b="1" dirty="0"/>
+          </a:p>
+        </p:txBody>
+      </p:sp>
+      <p:sp>
+        <p:nvSpPr>
+          <p:cNvPr id="11" name="Rounded Rectangle 10"/>
+          <p:cNvSpPr/>
+          <p:nvPr/>
+        </p:nvSpPr>
+        <p:spPr>
+          <a:xfrm>
+            <a:off x="4968627" y="2403210"/>
+            <a:ext cx="1305835" cy="809766"/>
+          </a:xfrm>
+          <a:prstGeom prst="roundRect">
+            <a:avLst/>
+          </a:prstGeom>
+        </p:spPr>
+        <p:style>
+          <a:lnRef idx="2">
+            <a:schemeClr val="accent1">
+              <a:shade val="50000"/>
+            </a:schemeClr>
+          </a:lnRef>
+          <a:fillRef idx="1">
+            <a:schemeClr val="accent1"/>
+          </a:fillRef>
+          <a:effectRef idx="0">
+            <a:schemeClr val="accent1"/>
+          </a:effectRef>
+          <a:fontRef idx="minor">
+            <a:schemeClr val="lt1"/>
+          </a:fontRef>
+        </p:style>
+        <p:txBody>
+          <a:bodyPr rtlCol="0" anchor="ctr"/>
+          <a:lstStyle/>
+          <a:p>
+            <a:pPr algn="ctr"/>
+            <a:r>
+              <a:rPr lang="en-IN" b="1" dirty="0" smtClean="0"/>
+              <a:t>Random Forest</a:t>
+            </a:r>
+            <a:endParaRPr lang="en-IN" b="1" dirty="0"/>
+          </a:p>
+        </p:txBody>
+      </p:sp>
+      <p:sp>
+        <p:nvSpPr>
+          <p:cNvPr id="12" name="Rounded Rectangle 11"/>
+          <p:cNvSpPr/>
+          <p:nvPr/>
+        </p:nvSpPr>
+        <p:spPr>
+          <a:xfrm>
+            <a:off x="6831144" y="2403210"/>
+            <a:ext cx="1305835" cy="809766"/>
+          </a:xfrm>
+          <a:prstGeom prst="roundRect">
+            <a:avLst/>
+          </a:prstGeom>
+        </p:spPr>
+        <p:style>
+          <a:lnRef idx="2">
+            <a:schemeClr val="accent1">
+              <a:shade val="50000"/>
+            </a:schemeClr>
+          </a:lnRef>
+          <a:fillRef idx="1">
+            <a:schemeClr val="accent1"/>
+          </a:fillRef>
+          <a:effectRef idx="0">
+            <a:schemeClr val="accent1"/>
+          </a:effectRef>
+          <a:fontRef idx="minor">
+            <a:schemeClr val="lt1"/>
+          </a:fontRef>
+        </p:style>
+        <p:txBody>
+          <a:bodyPr rtlCol="0" anchor="ctr"/>
+          <a:lstStyle/>
+          <a:p>
+            <a:pPr algn="ctr"/>
+            <a:r>
+              <a:rPr lang="en-IN" b="1" dirty="0" smtClean="0"/>
+              <a:t>XGBoost Regression</a:t>
+            </a:r>
+            <a:endParaRPr lang="en-IN" b="1" dirty="0"/>
+          </a:p>
+        </p:txBody>
+      </p:sp>
+      <p:sp>
+        <p:nvSpPr>
+          <p:cNvPr id="13" name="Rounded Rectangle 12"/>
+          <p:cNvSpPr/>
+          <p:nvPr/>
+        </p:nvSpPr>
+        <p:spPr>
+          <a:xfrm>
+            <a:off x="8713043" y="2403210"/>
+            <a:ext cx="1305835" cy="809766"/>
+          </a:xfrm>
+          <a:prstGeom prst="roundRect">
+            <a:avLst/>
+          </a:prstGeom>
+        </p:spPr>
+        <p:style>
+          <a:lnRef idx="2">
+            <a:schemeClr val="accent1">
+              <a:shade val="50000"/>
+            </a:schemeClr>
+          </a:lnRef>
+          <a:fillRef idx="1">
+            <a:schemeClr val="accent1"/>
+          </a:fillRef>
+          <a:effectRef idx="0">
+            <a:schemeClr val="accent1"/>
+          </a:effectRef>
+          <a:fontRef idx="minor">
+            <a:schemeClr val="lt1"/>
+          </a:fontRef>
+        </p:style>
+        <p:txBody>
+          <a:bodyPr rtlCol="0" anchor="ctr"/>
+          <a:lstStyle/>
+          <a:p>
+            <a:pPr algn="ctr"/>
+            <a:r>
+              <a:rPr lang="en-IN" b="1" dirty="0" smtClean="0"/>
+              <a:t>AdaBoost Regression</a:t>
+            </a:r>
+            <a:endParaRPr lang="en-IN" b="1" dirty="0"/>
+          </a:p>
+        </p:txBody>
+      </p:sp>
+      <p:cxnSp>
+        <p:nvCxnSpPr>
+          <p:cNvPr id="15" name="Elbow Connector 14"/>
+          <p:cNvCxnSpPr>
+            <a:stCxn id="6" idx="3"/>
+            <a:endCxn id="8" idx="1"/>
+          </p:cNvCxnSpPr>
+          <p:nvPr/>
+        </p:nvCxnSpPr>
+        <p:spPr>
+          <a:xfrm flipV="1">
+            <a:off x="2866246" y="1043019"/>
+            <a:ext cx="3254509" cy="4544603"/>
+          </a:xfrm>
+          <a:prstGeom prst="bentConnector3">
+            <a:avLst>
+              <a:gd name="adj1" fmla="val 50000"/>
+            </a:avLst>
+          </a:prstGeom>
+          <a:ln>
+            <a:tailEnd type="arrow"/>
+          </a:ln>
+        </p:spPr>
+        <p:style>
+          <a:lnRef idx="1">
+            <a:schemeClr val="accent1"/>
+          </a:lnRef>
+          <a:fillRef idx="0">
+            <a:schemeClr val="accent1"/>
+          </a:fillRef>
+          <a:effectRef idx="0">
+            <a:schemeClr val="accent1"/>
+          </a:effectRef>
+          <a:fontRef idx="minor">
+            <a:schemeClr val="tx1"/>
+          </a:fontRef>
+        </p:style>
+      </p:cxnSp>
+      <p:sp>
+        <p:nvSpPr>
+          <p:cNvPr id="18" name="Down Arrow 17"/>
+          <p:cNvSpPr/>
+          <p:nvPr/>
+        </p:nvSpPr>
+        <p:spPr>
+          <a:xfrm>
+            <a:off x="1944291" y="1412776"/>
+            <a:ext cx="108821" cy="232011"/>
+          </a:xfrm>
+          <a:prstGeom prst="downArrow">
+            <a:avLst/>
+          </a:prstGeom>
+        </p:spPr>
+        <p:style>
+          <a:lnRef idx="2">
+            <a:schemeClr val="accent1">
+              <a:shade val="50000"/>
+            </a:schemeClr>
+          </a:lnRef>
+          <a:fillRef idx="1">
+            <a:schemeClr val="accent1"/>
+          </a:fillRef>
+          <a:effectRef idx="0">
+            <a:schemeClr val="accent1"/>
+          </a:effectRef>
+          <a:fontRef idx="minor">
+            <a:schemeClr val="lt1"/>
+          </a:fontRef>
+        </p:style>
+        <p:txBody>
+          <a:bodyPr rtlCol="0" anchor="ctr"/>
+          <a:lstStyle/>
+          <a:p>
+            <a:pPr algn="ctr"/>
+            <a:endParaRPr lang="en-IN"/>
+          </a:p>
+        </p:txBody>
+      </p:sp>
+      <p:sp>
+        <p:nvSpPr>
+          <p:cNvPr id="19" name="Down Arrow 18"/>
+          <p:cNvSpPr/>
+          <p:nvPr/>
+        </p:nvSpPr>
+        <p:spPr>
+          <a:xfrm>
+            <a:off x="1944291" y="3002509"/>
+            <a:ext cx="108821" cy="359391"/>
+          </a:xfrm>
+          <a:prstGeom prst="downArrow">
+            <a:avLst/>
+          </a:prstGeom>
+        </p:spPr>
+        <p:style>
+          <a:lnRef idx="2">
+            <a:schemeClr val="accent1">
+              <a:shade val="50000"/>
+            </a:schemeClr>
+          </a:lnRef>
+          <a:fillRef idx="1">
+            <a:schemeClr val="accent1"/>
+          </a:fillRef>
+          <a:effectRef idx="0">
+            <a:schemeClr val="accent1"/>
+          </a:effectRef>
+          <a:fontRef idx="minor">
+            <a:schemeClr val="lt1"/>
+          </a:fontRef>
+        </p:style>
+        <p:txBody>
+          <a:bodyPr rtlCol="0" anchor="ctr"/>
+          <a:lstStyle/>
+          <a:p>
+            <a:pPr algn="ctr"/>
+            <a:endParaRPr lang="en-IN"/>
+          </a:p>
+        </p:txBody>
+      </p:sp>
+      <p:sp>
+        <p:nvSpPr>
+          <p:cNvPr id="20" name="Down Arrow 19"/>
+          <p:cNvSpPr/>
+          <p:nvPr/>
+        </p:nvSpPr>
+        <p:spPr>
+          <a:xfrm>
+            <a:off x="1944291" y="4653785"/>
+            <a:ext cx="108821" cy="359391"/>
+          </a:xfrm>
+          <a:prstGeom prst="downArrow">
+            <a:avLst/>
+          </a:prstGeom>
+        </p:spPr>
+        <p:style>
+          <a:lnRef idx="2">
+            <a:schemeClr val="accent1">
+              <a:shade val="50000"/>
+            </a:schemeClr>
+          </a:lnRef>
+          <a:fillRef idx="1">
+            <a:schemeClr val="accent1"/>
+          </a:fillRef>
+          <a:effectRef idx="0">
+            <a:schemeClr val="accent1"/>
+          </a:effectRef>
+          <a:fontRef idx="minor">
+            <a:schemeClr val="lt1"/>
+          </a:fontRef>
+        </p:style>
+        <p:txBody>
+          <a:bodyPr rtlCol="0" anchor="ctr"/>
+          <a:lstStyle/>
+          <a:p>
+            <a:pPr algn="ctr"/>
+            <a:endParaRPr lang="en-IN"/>
+          </a:p>
+        </p:txBody>
+      </p:sp>
+      <p:cxnSp>
+        <p:nvCxnSpPr>
+          <p:cNvPr id="24" name="Straight Arrow Connector 23"/>
+          <p:cNvCxnSpPr>
+            <a:stCxn id="8" idx="2"/>
+            <a:endCxn id="11" idx="0"/>
+          </p:cNvCxnSpPr>
+          <p:nvPr/>
+        </p:nvCxnSpPr>
+        <p:spPr>
+          <a:xfrm flipH="1">
+            <a:off x="5621545" y="1844824"/>
+            <a:ext cx="1867362" cy="558386"/>
+          </a:xfrm>
+          <a:prstGeom prst="straightConnector1">
+            <a:avLst/>
+          </a:prstGeom>
+          <a:ln>
+            <a:tailEnd type="arrow"/>
+          </a:ln>
+        </p:spPr>
+        <p:style>
+          <a:lnRef idx="1">
+            <a:schemeClr val="accent1"/>
+          </a:lnRef>
+          <a:fillRef idx="0">
+            <a:schemeClr val="accent1"/>
+          </a:fillRef>
+          <a:effectRef idx="0">
+            <a:schemeClr val="accent1"/>
+          </a:effectRef>
+          <a:fontRef idx="minor">
+            <a:schemeClr val="tx1"/>
+          </a:fontRef>
+        </p:style>
+      </p:cxnSp>
+      <p:cxnSp>
+        <p:nvCxnSpPr>
+          <p:cNvPr id="26" name="Straight Arrow Connector 25"/>
+          <p:cNvCxnSpPr>
+            <a:stCxn id="8" idx="2"/>
+            <a:endCxn id="12" idx="0"/>
+          </p:cNvCxnSpPr>
+          <p:nvPr/>
+        </p:nvCxnSpPr>
+        <p:spPr>
+          <a:xfrm flipH="1">
+            <a:off x="7484062" y="1844824"/>
+            <a:ext cx="4845" cy="558386"/>
+          </a:xfrm>
+          <a:prstGeom prst="straightConnector1">
+            <a:avLst/>
+          </a:prstGeom>
+          <a:ln>
+            <a:tailEnd type="arrow"/>
+          </a:ln>
+        </p:spPr>
+        <p:style>
+          <a:lnRef idx="1">
+            <a:schemeClr val="accent1"/>
+          </a:lnRef>
+          <a:fillRef idx="0">
+            <a:schemeClr val="accent1"/>
+          </a:fillRef>
+          <a:effectRef idx="0">
+            <a:schemeClr val="accent1"/>
+          </a:effectRef>
+          <a:fontRef idx="minor">
+            <a:schemeClr val="tx1"/>
+          </a:fontRef>
+        </p:style>
+      </p:cxnSp>
+      <p:cxnSp>
+        <p:nvCxnSpPr>
+          <p:cNvPr id="28" name="Straight Arrow Connector 27"/>
+          <p:cNvCxnSpPr>
+            <a:stCxn id="8" idx="2"/>
+            <a:endCxn id="13" idx="0"/>
+          </p:cNvCxnSpPr>
+          <p:nvPr/>
+        </p:nvCxnSpPr>
+        <p:spPr>
+          <a:xfrm>
+            <a:off x="7488907" y="1844824"/>
+            <a:ext cx="1877054" cy="558386"/>
+          </a:xfrm>
+          <a:prstGeom prst="straightConnector1">
+            <a:avLst/>
+          </a:prstGeom>
+          <a:ln>
+            <a:tailEnd type="arrow"/>
+          </a:ln>
+        </p:spPr>
+        <p:style>
+          <a:lnRef idx="1">
+            <a:schemeClr val="accent1"/>
+          </a:lnRef>
+          <a:fillRef idx="0">
+            <a:schemeClr val="accent1"/>
+          </a:fillRef>
+          <a:effectRef idx="0">
+            <a:schemeClr val="accent1"/>
+          </a:effectRef>
+          <a:fontRef idx="minor">
+            <a:schemeClr val="tx1"/>
+          </a:fontRef>
+        </p:style>
+      </p:cxnSp>
+      <p:sp>
+        <p:nvSpPr>
+          <p:cNvPr id="29" name="Rectangle 28"/>
+          <p:cNvSpPr/>
+          <p:nvPr/>
+        </p:nvSpPr>
+        <p:spPr>
+          <a:xfrm>
+            <a:off x="6895432" y="3888437"/>
+            <a:ext cx="1165780" cy="908715"/>
           </a:xfrm>
           <a:prstGeom prst="rect">
             <a:avLst/>
           </a:prstGeom>
-          <a:noFill/>
-        </p:spPr>
-        <p:txBody>
-          <a:bodyPr wrap="square" rtlCol="0">
-            <a:spAutoFit/>
-          </a:bodyPr>
-          <a:lstStyle/>
-          <a:p>
-            <a:r>
-              <a:rPr lang="en-IN" sz="2800" dirty="0" smtClean="0"/>
-              <a:t>Front End: </a:t>
-            </a:r>
-            <a:r>
-              <a:rPr lang="en-IN" sz="2800" dirty="0" err="1" smtClean="0"/>
-              <a:t>KivyMD</a:t>
-            </a:r>
-            <a:r>
-              <a:rPr lang="en-IN" sz="2800" dirty="0" smtClean="0"/>
-              <a:t> Python…..why?</a:t>
-            </a:r>
-          </a:p>
-          <a:p>
-            <a:endParaRPr lang="en-IN" sz="2800" dirty="0"/>
-          </a:p>
-          <a:p>
-            <a:r>
-              <a:rPr lang="en-IN" sz="2800" dirty="0" smtClean="0"/>
-              <a:t>Because it is a graphical interface tool which can be implemented both on android as well as desktop.</a:t>
-            </a:r>
-          </a:p>
-          <a:p>
-            <a:endParaRPr lang="en-IN" sz="2800" dirty="0"/>
-          </a:p>
-          <a:p>
-            <a:r>
-              <a:rPr lang="en-IN" sz="2800" dirty="0" smtClean="0"/>
-              <a:t>Back End: Python ( No database )</a:t>
-            </a:r>
-          </a:p>
-          <a:p>
-            <a:endParaRPr lang="en-IN" sz="2800" dirty="0"/>
-          </a:p>
-          <a:p>
-            <a:r>
-              <a:rPr lang="en-IN" sz="2800" dirty="0" smtClean="0"/>
-              <a:t>Because already the model has been deployed, the only thing the backend has to do is the selection of pickle file and predicting the price with the given features</a:t>
-            </a:r>
-          </a:p>
-          <a:p>
-            <a:endParaRPr lang="en-IN" dirty="0" smtClean="0"/>
+        </p:spPr>
+        <p:style>
+          <a:lnRef idx="2">
+            <a:schemeClr val="accent1">
+              <a:shade val="50000"/>
+            </a:schemeClr>
+          </a:lnRef>
+          <a:fillRef idx="1">
+            <a:schemeClr val="accent1"/>
+          </a:fillRef>
+          <a:effectRef idx="0">
+            <a:schemeClr val="accent1"/>
+          </a:effectRef>
+          <a:fontRef idx="minor">
+            <a:schemeClr val="lt1"/>
+          </a:fontRef>
+        </p:style>
+        <p:txBody>
+          <a:bodyPr rtlCol="0" anchor="ctr"/>
+          <a:lstStyle/>
+          <a:p>
+            <a:pPr algn="ctr"/>
+            <a:r>
+              <a:rPr lang="en-IN" b="1" dirty="0" smtClean="0"/>
+              <a:t>Best R2 Score Model</a:t>
+            </a:r>
+            <a:endParaRPr lang="en-IN" b="1" dirty="0"/>
+          </a:p>
+        </p:txBody>
+      </p:sp>
+      <p:sp>
+        <p:nvSpPr>
+          <p:cNvPr id="34" name="Rounded Rectangle 33"/>
+          <p:cNvSpPr/>
+          <p:nvPr/>
+        </p:nvSpPr>
+        <p:spPr>
+          <a:xfrm>
+            <a:off x="6768827" y="5301208"/>
+            <a:ext cx="1459492" cy="635757"/>
+          </a:xfrm>
+          <a:prstGeom prst="roundRect">
+            <a:avLst/>
+          </a:prstGeom>
+        </p:spPr>
+        <p:style>
+          <a:lnRef idx="2">
+            <a:schemeClr val="accent1">
+              <a:shade val="50000"/>
+            </a:schemeClr>
+          </a:lnRef>
+          <a:fillRef idx="1">
+            <a:schemeClr val="accent1"/>
+          </a:fillRef>
+          <a:effectRef idx="0">
+            <a:schemeClr val="accent1"/>
+          </a:effectRef>
+          <a:fontRef idx="minor">
+            <a:schemeClr val="lt1"/>
+          </a:fontRef>
+        </p:style>
+        <p:txBody>
+          <a:bodyPr rtlCol="0" anchor="ctr"/>
+          <a:lstStyle/>
+          <a:p>
+            <a:pPr algn="ctr"/>
+            <a:r>
+              <a:rPr lang="en-IN" b="1" dirty="0" smtClean="0"/>
+              <a:t>Pickle File</a:t>
+            </a:r>
+            <a:endParaRPr lang="en-IN" b="1" dirty="0"/>
+          </a:p>
+        </p:txBody>
+      </p:sp>
+      <p:cxnSp>
+        <p:nvCxnSpPr>
+          <p:cNvPr id="39" name="Straight Arrow Connector 38"/>
+          <p:cNvCxnSpPr>
+            <a:stCxn id="11" idx="2"/>
+            <a:endCxn id="29" idx="0"/>
+          </p:cNvCxnSpPr>
+          <p:nvPr/>
+        </p:nvCxnSpPr>
+        <p:spPr>
+          <a:xfrm>
+            <a:off x="5621545" y="3212976"/>
+            <a:ext cx="1856777" cy="675461"/>
+          </a:xfrm>
+          <a:prstGeom prst="straightConnector1">
+            <a:avLst/>
+          </a:prstGeom>
+          <a:ln>
+            <a:tailEnd type="arrow"/>
+          </a:ln>
+        </p:spPr>
+        <p:style>
+          <a:lnRef idx="1">
+            <a:schemeClr val="accent1"/>
+          </a:lnRef>
+          <a:fillRef idx="0">
+            <a:schemeClr val="accent1"/>
+          </a:fillRef>
+          <a:effectRef idx="0">
+            <a:schemeClr val="accent1"/>
+          </a:effectRef>
+          <a:fontRef idx="minor">
+            <a:schemeClr val="tx1"/>
+          </a:fontRef>
+        </p:style>
+      </p:cxnSp>
+      <p:cxnSp>
+        <p:nvCxnSpPr>
+          <p:cNvPr id="41" name="Straight Arrow Connector 40"/>
+          <p:cNvCxnSpPr>
+            <a:stCxn id="12" idx="2"/>
+            <a:endCxn id="29" idx="0"/>
+          </p:cNvCxnSpPr>
+          <p:nvPr/>
+        </p:nvCxnSpPr>
+        <p:spPr>
+          <a:xfrm flipH="1">
+            <a:off x="7478322" y="3212976"/>
+            <a:ext cx="5740" cy="675461"/>
+          </a:xfrm>
+          <a:prstGeom prst="straightConnector1">
+            <a:avLst/>
+          </a:prstGeom>
+          <a:ln>
+            <a:tailEnd type="arrow"/>
+          </a:ln>
+        </p:spPr>
+        <p:style>
+          <a:lnRef idx="1">
+            <a:schemeClr val="accent1"/>
+          </a:lnRef>
+          <a:fillRef idx="0">
+            <a:schemeClr val="accent1"/>
+          </a:fillRef>
+          <a:effectRef idx="0">
+            <a:schemeClr val="accent1"/>
+          </a:effectRef>
+          <a:fontRef idx="minor">
+            <a:schemeClr val="tx1"/>
+          </a:fontRef>
+        </p:style>
+      </p:cxnSp>
+      <p:cxnSp>
+        <p:nvCxnSpPr>
+          <p:cNvPr id="43" name="Straight Arrow Connector 42"/>
+          <p:cNvCxnSpPr>
+            <a:stCxn id="13" idx="2"/>
+            <a:endCxn id="29" idx="0"/>
+          </p:cNvCxnSpPr>
+          <p:nvPr/>
+        </p:nvCxnSpPr>
+        <p:spPr>
+          <a:xfrm flipH="1">
+            <a:off x="7478322" y="3212976"/>
+            <a:ext cx="1887639" cy="675461"/>
+          </a:xfrm>
+          <a:prstGeom prst="straightConnector1">
+            <a:avLst/>
+          </a:prstGeom>
+          <a:ln>
+            <a:tailEnd type="arrow"/>
+          </a:ln>
+        </p:spPr>
+        <p:style>
+          <a:lnRef idx="1">
+            <a:schemeClr val="accent1"/>
+          </a:lnRef>
+          <a:fillRef idx="0">
+            <a:schemeClr val="accent1"/>
+          </a:fillRef>
+          <a:effectRef idx="0">
+            <a:schemeClr val="accent1"/>
+          </a:effectRef>
+          <a:fontRef idx="minor">
+            <a:schemeClr val="tx1"/>
+          </a:fontRef>
+        </p:style>
+      </p:cxnSp>
+      <p:sp>
+        <p:nvSpPr>
+          <p:cNvPr id="44" name="Down Arrow 43"/>
+          <p:cNvSpPr/>
+          <p:nvPr/>
+        </p:nvSpPr>
+        <p:spPr>
+          <a:xfrm>
+            <a:off x="7474516" y="4977496"/>
+            <a:ext cx="86399" cy="179696"/>
+          </a:xfrm>
+          <a:prstGeom prst="downArrow">
+            <a:avLst/>
+          </a:prstGeom>
+        </p:spPr>
+        <p:style>
+          <a:lnRef idx="2">
+            <a:schemeClr val="accent1">
+              <a:shade val="50000"/>
+            </a:schemeClr>
+          </a:lnRef>
+          <a:fillRef idx="1">
+            <a:schemeClr val="accent1"/>
+          </a:fillRef>
+          <a:effectRef idx="0">
+            <a:schemeClr val="accent1"/>
+          </a:effectRef>
+          <a:fontRef idx="minor">
+            <a:schemeClr val="lt1"/>
+          </a:fontRef>
+        </p:style>
+        <p:txBody>
+          <a:bodyPr rtlCol="0" anchor="ctr"/>
+          <a:lstStyle/>
+          <a:p>
+            <a:pPr algn="ctr"/>
+            <a:endParaRPr lang="en-IN"/>
           </a:p>
         </p:txBody>
       </p:sp>
     </p:spTree>
     <p:extLst>
       <p:ext uri="{BB962C8B-B14F-4D97-AF65-F5344CB8AC3E}">
-        <p14:creationId xmlns:p14="http://schemas.microsoft.com/office/powerpoint/2010/main" val="3658498350"/>
+        <p14:creationId xmlns:p14="http://schemas.microsoft.com/office/powerpoint/2010/main" val="734861726"/>
       </p:ext>
     </p:extLst>
   </p:cSld>
@@ -3300,14 +4072,37 @@
       </p:grpSpPr>
       <p:sp>
         <p:nvSpPr>
-          <p:cNvPr id="4" name="TextBox 3"/>
+          <p:cNvPr id="2" name="Title 1"/>
+          <p:cNvSpPr>
+            <a:spLocks noGrp="1"/>
+          </p:cNvSpPr>
+          <p:nvPr>
+            <p:ph type="title"/>
+          </p:nvPr>
+        </p:nvSpPr>
+        <p:spPr/>
+        <p:txBody>
+          <a:bodyPr/>
+          <a:lstStyle/>
+          <a:p>
+            <a:r>
+              <a:rPr lang="en-IN" dirty="0" smtClean="0"/>
+              <a:t>ML Models</a:t>
+            </a:r>
+            <a:endParaRPr lang="en-IN" dirty="0"/>
+          </a:p>
+        </p:txBody>
+      </p:sp>
+      <p:sp>
+        <p:nvSpPr>
+          <p:cNvPr id="3" name="TextBox 2"/>
           <p:cNvSpPr txBox="1"/>
           <p:nvPr/>
         </p:nvSpPr>
         <p:spPr>
           <a:xfrm>
-            <a:off x="1317821" y="620688"/>
-            <a:ext cx="8335826" cy="369332"/>
+            <a:off x="1224211" y="1988840"/>
+            <a:ext cx="9073008" cy="2246769"/>
           </a:xfrm>
           <a:prstGeom prst="rect">
             <a:avLst/>
@@ -3320,108 +4115,56 @@
           </a:bodyPr>
           <a:lstStyle/>
           <a:p>
-            <a:endParaRPr lang="en-IN"/>
-          </a:p>
-        </p:txBody>
-      </p:sp>
-      <p:pic>
-        <p:nvPicPr>
-          <p:cNvPr id="2050" name="Picture 2"/>
-          <p:cNvPicPr>
-            <a:picLocks noChangeAspect="1" noChangeArrowheads="1"/>
-          </p:cNvPicPr>
-          <p:nvPr/>
-        </p:nvPicPr>
-        <p:blipFill>
-          <a:blip r:embed="rId2">
-            <a:extLst>
-              <a:ext uri="{28A0092B-C50C-407E-A947-70E740481C1C}">
-                <a14:useLocalDpi xmlns:a14="http://schemas.microsoft.com/office/drawing/2010/main" val="0"/>
-              </a:ext>
-            </a:extLst>
-          </a:blip>
-          <a:srcRect/>
-          <a:stretch>
-            <a:fillRect/>
-          </a:stretch>
-        </p:blipFill>
-        <p:spPr bwMode="auto">
-          <a:xfrm>
-            <a:off x="1614578" y="1223964"/>
-            <a:ext cx="7572196" cy="4410075"/>
-          </a:xfrm>
-          <a:prstGeom prst="rect">
-            <a:avLst/>
-          </a:prstGeom>
-          <a:noFill/>
-          <a:ln>
-            <a:noFill/>
-          </a:ln>
-          <a:effectLst/>
-          <a:extLst>
-            <a:ext uri="{909E8E84-426E-40DD-AFC4-6F175D3DCCD1}">
-              <a14:hiddenFill xmlns:a14="http://schemas.microsoft.com/office/drawing/2010/main">
-                <a:solidFill>
-                  <a:schemeClr val="accent1"/>
-                </a:solidFill>
-              </a14:hiddenFill>
-            </a:ext>
-            <a:ext uri="{91240B29-F687-4F45-9708-019B960494DF}">
-              <a14:hiddenLine xmlns:a14="http://schemas.microsoft.com/office/drawing/2010/main" w="9525">
-                <a:solidFill>
-                  <a:schemeClr val="tx1"/>
-                </a:solidFill>
-                <a:miter lim="800000"/>
-                <a:headEnd/>
-                <a:tailEnd/>
-              </a14:hiddenLine>
-            </a:ext>
-            <a:ext uri="{AF507438-7753-43E0-B8FC-AC1667EBCBE1}">
-              <a14:hiddenEffects xmlns:a14="http://schemas.microsoft.com/office/drawing/2010/main">
-                <a:effectLst>
-                  <a:outerShdw dist="35921" dir="2700000" algn="ctr" rotWithShape="0">
-                    <a:schemeClr val="bg2"/>
-                  </a:outerShdw>
-                </a:effectLst>
-              </a14:hiddenEffects>
-            </a:ext>
-          </a:extLst>
-        </p:spPr>
-      </p:pic>
-      <p:sp>
-        <p:nvSpPr>
-          <p:cNvPr id="2" name="TextBox 1"/>
-          <p:cNvSpPr txBox="1"/>
-          <p:nvPr/>
-        </p:nvSpPr>
-        <p:spPr>
-          <a:xfrm>
-            <a:off x="1828178" y="476672"/>
-            <a:ext cx="7230053" cy="369332"/>
-          </a:xfrm>
-          <a:prstGeom prst="rect">
-            <a:avLst/>
-          </a:prstGeom>
-          <a:noFill/>
-        </p:spPr>
-        <p:txBody>
-          <a:bodyPr wrap="square" rtlCol="0">
-            <a:spAutoFit/>
-          </a:bodyPr>
-          <a:lstStyle/>
-          <a:p>
-            <a:r>
-              <a:rPr lang="en-IN" dirty="0" smtClean="0"/>
-              <a:t>Random Forest</a:t>
-            </a:r>
-            <a:endParaRPr lang="en-IN" dirty="0"/>
+            <a:pPr marL="285750" indent="-285750">
+              <a:buFont typeface="Arial" pitchFamily="34" charset="0"/>
+              <a:buChar char="•"/>
+            </a:pPr>
+            <a:r>
+              <a:rPr lang="en-IN" sz="2800" b="1" dirty="0" smtClean="0"/>
+              <a:t>Random Forest Regression</a:t>
+            </a:r>
+          </a:p>
+          <a:p>
+            <a:endParaRPr lang="en-IN" sz="2800" b="1" dirty="0" smtClean="0"/>
+          </a:p>
+          <a:p>
+            <a:pPr marL="285750" indent="-285750">
+              <a:buFont typeface="Arial" pitchFamily="34" charset="0"/>
+              <a:buChar char="•"/>
+            </a:pPr>
+            <a:r>
+              <a:rPr lang="en-IN" sz="2800" b="1" dirty="0" err="1" smtClean="0"/>
+              <a:t>XGBoost</a:t>
+            </a:r>
+            <a:r>
+              <a:rPr lang="en-IN" sz="2800" b="1" dirty="0" smtClean="0"/>
+              <a:t> Regression</a:t>
+            </a:r>
+          </a:p>
+          <a:p>
+            <a:endParaRPr lang="en-IN" sz="2800" b="1" dirty="0" smtClean="0"/>
+          </a:p>
+          <a:p>
+            <a:pPr marL="285750" indent="-285750">
+              <a:buFont typeface="Arial" pitchFamily="34" charset="0"/>
+              <a:buChar char="•"/>
+            </a:pPr>
+            <a:r>
+              <a:rPr lang="en-IN" sz="2800" b="1" dirty="0" err="1" smtClean="0"/>
+              <a:t>AdaBoost</a:t>
+            </a:r>
+            <a:r>
+              <a:rPr lang="en-IN" sz="2800" b="1" dirty="0" smtClean="0"/>
+              <a:t> Regression</a:t>
+            </a:r>
+            <a:endParaRPr lang="en-IN" sz="2800" b="1" dirty="0"/>
           </a:p>
         </p:txBody>
       </p:sp>
     </p:spTree>
     <p:extLst>
       <p:ext uri="{BB962C8B-B14F-4D97-AF65-F5344CB8AC3E}">
-        <p14:creationId xmlns:p14="http://schemas.microsoft.com/office/powerpoint/2010/main" val="876331488"/>
+        <p14:creationId xmlns:p14="http://schemas.microsoft.com/office/powerpoint/2010/main" val="2057194056"/>
       </p:ext>
     </p:extLst>
   </p:cSld>
@@ -3432,6 +4175,330 @@
 </file>
 
 <file path=ppt/slides/slide12.xml><?xml version="1.0" encoding="utf-8"?>
+<p:sld xmlns:a="http://schemas.openxmlformats.org/drawingml/2006/main" xmlns:r="http://schemas.openxmlformats.org/officeDocument/2006/relationships" xmlns:p="http://schemas.openxmlformats.org/presentationml/2006/main">
+  <p:cSld>
+    <p:spTree>
+      <p:nvGrpSpPr>
+        <p:cNvPr id="1" name=""/>
+        <p:cNvGrpSpPr/>
+        <p:nvPr/>
+      </p:nvGrpSpPr>
+      <p:grpSpPr>
+        <a:xfrm>
+          <a:off x="0" y="0"/>
+          <a:ext cx="0" cy="0"/>
+          <a:chOff x="0" y="0"/>
+          <a:chExt cx="0" cy="0"/>
+        </a:xfrm>
+      </p:grpSpPr>
+      <p:sp>
+        <p:nvSpPr>
+          <p:cNvPr id="2" name="Title 1"/>
+          <p:cNvSpPr>
+            <a:spLocks noGrp="1"/>
+          </p:cNvSpPr>
+          <p:nvPr>
+            <p:ph type="title"/>
+          </p:nvPr>
+        </p:nvSpPr>
+        <p:spPr/>
+        <p:txBody>
+          <a:bodyPr/>
+          <a:lstStyle/>
+          <a:p>
+            <a:r>
+              <a:rPr lang="en-IN" dirty="0" smtClean="0"/>
+              <a:t>Why only these 3?</a:t>
+            </a:r>
+            <a:endParaRPr lang="en-IN" dirty="0"/>
+          </a:p>
+        </p:txBody>
+      </p:sp>
+      <p:sp>
+        <p:nvSpPr>
+          <p:cNvPr id="3" name="TextBox 2"/>
+          <p:cNvSpPr txBox="1"/>
+          <p:nvPr/>
+        </p:nvSpPr>
+        <p:spPr>
+          <a:xfrm>
+            <a:off x="864171" y="1844824"/>
+            <a:ext cx="9433048" cy="3693319"/>
+          </a:xfrm>
+          <a:prstGeom prst="rect">
+            <a:avLst/>
+          </a:prstGeom>
+          <a:noFill/>
+        </p:spPr>
+        <p:txBody>
+          <a:bodyPr wrap="square" rtlCol="0">
+            <a:spAutoFit/>
+          </a:bodyPr>
+          <a:lstStyle/>
+          <a:p>
+            <a:r>
+              <a:rPr lang="en-IN" sz="2800" b="1" dirty="0" smtClean="0"/>
+              <a:t>Because they are extensions of Decision Tree Algorithm</a:t>
+            </a:r>
+          </a:p>
+          <a:p>
+            <a:endParaRPr lang="en-IN" sz="2800" b="1" dirty="0" smtClean="0"/>
+          </a:p>
+          <a:p>
+            <a:endParaRPr lang="en-IN" dirty="0"/>
+          </a:p>
+          <a:p>
+            <a:r>
+              <a:rPr lang="en-IN" sz="3200" dirty="0" smtClean="0"/>
+              <a:t>Why Decision Tree Algorithm?</a:t>
+            </a:r>
+          </a:p>
+          <a:p>
+            <a:r>
+              <a:rPr lang="en-IN" sz="3200" dirty="0"/>
+              <a:t>	</a:t>
+            </a:r>
+            <a:endParaRPr lang="en-IN" sz="3200" dirty="0" smtClean="0"/>
+          </a:p>
+          <a:p>
+            <a:r>
+              <a:rPr lang="en-IN" sz="3200" dirty="0"/>
+              <a:t>	</a:t>
+            </a:r>
+            <a:r>
+              <a:rPr lang="en-IN" sz="3200" dirty="0" smtClean="0"/>
+              <a:t>A </a:t>
+            </a:r>
+            <a:r>
+              <a:rPr lang="en-IN" sz="3200" dirty="0"/>
+              <a:t>significant advantage of a decision tree is that </a:t>
+            </a:r>
+            <a:r>
+              <a:rPr lang="en-IN" sz="3200" b="1" dirty="0"/>
+              <a:t>it forces the consideration of all possible outcomes of a decision and traces each path to a conclusion</a:t>
+            </a:r>
+            <a:r>
+              <a:rPr lang="en-IN" sz="3200" dirty="0"/>
+              <a:t>.</a:t>
+            </a:r>
+            <a:endParaRPr lang="en-IN" sz="3200" dirty="0"/>
+          </a:p>
+        </p:txBody>
+      </p:sp>
+    </p:spTree>
+    <p:extLst>
+      <p:ext uri="{BB962C8B-B14F-4D97-AF65-F5344CB8AC3E}">
+        <p14:creationId xmlns:p14="http://schemas.microsoft.com/office/powerpoint/2010/main" val="2592403067"/>
+      </p:ext>
+    </p:extLst>
+  </p:cSld>
+  <p:clrMapOvr>
+    <a:masterClrMapping/>
+  </p:clrMapOvr>
+</p:sld>
+</file>
+
+<file path=ppt/slides/slide13.xml><?xml version="1.0" encoding="utf-8"?>
+<p:sld xmlns:a="http://schemas.openxmlformats.org/drawingml/2006/main" xmlns:r="http://schemas.openxmlformats.org/officeDocument/2006/relationships" xmlns:p="http://schemas.openxmlformats.org/presentationml/2006/main">
+  <p:cSld>
+    <p:spTree>
+      <p:nvGrpSpPr>
+        <p:cNvPr id="1" name=""/>
+        <p:cNvGrpSpPr/>
+        <p:nvPr/>
+      </p:nvGrpSpPr>
+      <p:grpSpPr>
+        <a:xfrm>
+          <a:off x="0" y="0"/>
+          <a:ext cx="0" cy="0"/>
+          <a:chOff x="0" y="0"/>
+          <a:chExt cx="0" cy="0"/>
+        </a:xfrm>
+      </p:grpSpPr>
+      <p:sp>
+        <p:nvSpPr>
+          <p:cNvPr id="3" name="TextBox 2"/>
+          <p:cNvSpPr txBox="1"/>
+          <p:nvPr/>
+        </p:nvSpPr>
+        <p:spPr>
+          <a:xfrm>
+            <a:off x="1728267" y="908720"/>
+            <a:ext cx="7776864" cy="2031325"/>
+          </a:xfrm>
+          <a:prstGeom prst="rect">
+            <a:avLst/>
+          </a:prstGeom>
+          <a:noFill/>
+        </p:spPr>
+        <p:txBody>
+          <a:bodyPr wrap="square" rtlCol="0">
+            <a:spAutoFit/>
+          </a:bodyPr>
+          <a:lstStyle/>
+          <a:p>
+            <a:r>
+              <a:rPr lang="en-IN" dirty="0"/>
+              <a:t>Compared to other algorithms decision trees requires less effort for data preparation during pre-processing.</a:t>
+            </a:r>
+          </a:p>
+          <a:p>
+            <a:r>
+              <a:rPr lang="en-IN" dirty="0"/>
+              <a:t>A decision tree does not require normalization of data.</a:t>
+            </a:r>
+          </a:p>
+          <a:p>
+            <a:r>
+              <a:rPr lang="en-IN" dirty="0"/>
+              <a:t>A decision tree does not require scaling of data as well.</a:t>
+            </a:r>
+          </a:p>
+          <a:p>
+            <a:r>
+              <a:rPr lang="en-IN" dirty="0"/>
+              <a:t>Missing values in the data also do NOT affect the process of building a decision tree to any considerable extent.</a:t>
+            </a:r>
+          </a:p>
+          <a:p>
+            <a:endParaRPr lang="en-IN" dirty="0"/>
+          </a:p>
+        </p:txBody>
+      </p:sp>
+    </p:spTree>
+    <p:extLst>
+      <p:ext uri="{BB962C8B-B14F-4D97-AF65-F5344CB8AC3E}">
+        <p14:creationId xmlns:p14="http://schemas.microsoft.com/office/powerpoint/2010/main" val="3779558926"/>
+      </p:ext>
+    </p:extLst>
+  </p:cSld>
+  <p:clrMapOvr>
+    <a:masterClrMapping/>
+  </p:clrMapOvr>
+</p:sld>
+</file>
+
+<file path=ppt/slides/slide14.xml><?xml version="1.0" encoding="utf-8"?>
+<p:sld xmlns:a="http://schemas.openxmlformats.org/drawingml/2006/main" xmlns:r="http://schemas.openxmlformats.org/officeDocument/2006/relationships" xmlns:p="http://schemas.openxmlformats.org/presentationml/2006/main">
+  <p:cSld>
+    <p:spTree>
+      <p:nvGrpSpPr>
+        <p:cNvPr id="1" name=""/>
+        <p:cNvGrpSpPr/>
+        <p:nvPr/>
+      </p:nvGrpSpPr>
+      <p:grpSpPr>
+        <a:xfrm>
+          <a:off x="0" y="0"/>
+          <a:ext cx="0" cy="0"/>
+          <a:chOff x="0" y="0"/>
+          <a:chExt cx="0" cy="0"/>
+        </a:xfrm>
+      </p:grpSpPr>
+      <p:sp>
+        <p:nvSpPr>
+          <p:cNvPr id="2" name="Title 1"/>
+          <p:cNvSpPr>
+            <a:spLocks noGrp="1"/>
+          </p:cNvSpPr>
+          <p:nvPr>
+            <p:ph type="title"/>
+          </p:nvPr>
+        </p:nvSpPr>
+        <p:spPr/>
+        <p:txBody>
+          <a:bodyPr/>
+          <a:lstStyle/>
+          <a:p>
+            <a:r>
+              <a:rPr lang="en-IN" b="1" dirty="0" smtClean="0"/>
+              <a:t>User Interface</a:t>
+            </a:r>
+            <a:endParaRPr lang="en-IN" b="1" dirty="0"/>
+          </a:p>
+        </p:txBody>
+      </p:sp>
+      <p:sp>
+        <p:nvSpPr>
+          <p:cNvPr id="4" name="TextBox 3"/>
+          <p:cNvSpPr txBox="1"/>
+          <p:nvPr/>
+        </p:nvSpPr>
+        <p:spPr>
+          <a:xfrm>
+            <a:off x="637346" y="1628801"/>
+            <a:ext cx="9186421" cy="4678204"/>
+          </a:xfrm>
+          <a:prstGeom prst="rect">
+            <a:avLst/>
+          </a:prstGeom>
+          <a:noFill/>
+        </p:spPr>
+        <p:txBody>
+          <a:bodyPr wrap="square" rtlCol="0">
+            <a:spAutoFit/>
+          </a:bodyPr>
+          <a:lstStyle/>
+          <a:p>
+            <a:r>
+              <a:rPr lang="en-IN" sz="2800" dirty="0" smtClean="0"/>
+              <a:t>Front End: </a:t>
+            </a:r>
+            <a:r>
+              <a:rPr lang="en-IN" sz="2800" dirty="0" err="1" smtClean="0"/>
+              <a:t>KivyMD</a:t>
+            </a:r>
+            <a:r>
+              <a:rPr lang="en-IN" sz="2800" dirty="0" smtClean="0"/>
+              <a:t> Python…..why?</a:t>
+            </a:r>
+          </a:p>
+          <a:p>
+            <a:endParaRPr lang="en-IN" sz="2800" dirty="0"/>
+          </a:p>
+          <a:p>
+            <a:r>
+              <a:rPr lang="en-IN" sz="2800" dirty="0" smtClean="0"/>
+              <a:t>Because it is a graphical interface tool which can be implemented both on android as well as desktop.</a:t>
+            </a:r>
+          </a:p>
+          <a:p>
+            <a:endParaRPr lang="en-IN" sz="2800" dirty="0"/>
+          </a:p>
+          <a:p>
+            <a:r>
+              <a:rPr lang="en-IN" sz="2800" dirty="0" smtClean="0"/>
+              <a:t>Back End: Python ( No database )</a:t>
+            </a:r>
+          </a:p>
+          <a:p>
+            <a:endParaRPr lang="en-IN" sz="2800" dirty="0"/>
+          </a:p>
+          <a:p>
+            <a:r>
+              <a:rPr lang="en-IN" sz="2800" dirty="0" smtClean="0"/>
+              <a:t>Because already the model has been deployed, the only thing the backend has to do is the selection of pickle file and predicting the price with the given features</a:t>
+            </a:r>
+          </a:p>
+          <a:p>
+            <a:endParaRPr lang="en-IN" dirty="0" smtClean="0"/>
+          </a:p>
+        </p:txBody>
+      </p:sp>
+    </p:spTree>
+    <p:extLst>
+      <p:ext uri="{BB962C8B-B14F-4D97-AF65-F5344CB8AC3E}">
+        <p14:creationId xmlns:p14="http://schemas.microsoft.com/office/powerpoint/2010/main" val="3658498350"/>
+      </p:ext>
+    </p:extLst>
+  </p:cSld>
+  <p:clrMapOvr>
+    <a:masterClrMapping/>
+  </p:clrMapOvr>
+</p:sld>
+</file>
+
+<file path=ppt/slides/slide15.xml><?xml version="1.0" encoding="utf-8"?>
 <p:sld xmlns:a="http://schemas.openxmlformats.org/drawingml/2006/main" xmlns:r="http://schemas.openxmlformats.org/officeDocument/2006/relationships" xmlns:p="http://schemas.openxmlformats.org/presentationml/2006/main">
   <p:cSld>
     <p:spTree>
@@ -3478,6 +4545,724 @@
           <a:chExt cx="0" cy="0"/>
         </a:xfrm>
       </p:grpSpPr>
+      <p:sp>
+        <p:nvSpPr>
+          <p:cNvPr id="4" name="Rectangle 3"/>
+          <p:cNvSpPr/>
+          <p:nvPr/>
+        </p:nvSpPr>
+        <p:spPr>
+          <a:xfrm>
+            <a:off x="522133" y="610847"/>
+            <a:ext cx="2646294" cy="4906385"/>
+          </a:xfrm>
+          <a:prstGeom prst="rect">
+            <a:avLst/>
+          </a:prstGeom>
+        </p:spPr>
+        <p:style>
+          <a:lnRef idx="2">
+            <a:schemeClr val="accent2"/>
+          </a:lnRef>
+          <a:fillRef idx="1">
+            <a:schemeClr val="lt1"/>
+          </a:fillRef>
+          <a:effectRef idx="0">
+            <a:schemeClr val="accent2"/>
+          </a:effectRef>
+          <a:fontRef idx="minor">
+            <a:schemeClr val="dk1"/>
+          </a:fontRef>
+        </p:style>
+        <p:txBody>
+          <a:bodyPr rtlCol="0" anchor="ctr"/>
+          <a:lstStyle/>
+          <a:p>
+            <a:pPr algn="ctr"/>
+            <a:endParaRPr lang="en-IN"/>
+          </a:p>
+        </p:txBody>
+      </p:sp>
+      <p:sp>
+        <p:nvSpPr>
+          <p:cNvPr id="9" name="Rounded Rectangle 8"/>
+          <p:cNvSpPr/>
+          <p:nvPr/>
+        </p:nvSpPr>
+        <p:spPr>
+          <a:xfrm>
+            <a:off x="900175" y="1016876"/>
+            <a:ext cx="1908212" cy="828092"/>
+          </a:xfrm>
+          <a:prstGeom prst="roundRect">
+            <a:avLst/>
+          </a:prstGeom>
+        </p:spPr>
+        <p:style>
+          <a:lnRef idx="2">
+            <a:schemeClr val="accent2">
+              <a:shade val="50000"/>
+            </a:schemeClr>
+          </a:lnRef>
+          <a:fillRef idx="1">
+            <a:schemeClr val="accent2"/>
+          </a:fillRef>
+          <a:effectRef idx="0">
+            <a:schemeClr val="accent2"/>
+          </a:effectRef>
+          <a:fontRef idx="minor">
+            <a:schemeClr val="lt1"/>
+          </a:fontRef>
+        </p:style>
+        <p:txBody>
+          <a:bodyPr rtlCol="0" anchor="ctr"/>
+          <a:lstStyle/>
+          <a:p>
+            <a:pPr algn="ctr"/>
+            <a:r>
+              <a:rPr lang="en-IN" b="1" dirty="0" smtClean="0"/>
+              <a:t>Data Pre processing</a:t>
+            </a:r>
+            <a:endParaRPr lang="en-IN" b="1" dirty="0"/>
+          </a:p>
+        </p:txBody>
+      </p:sp>
+      <p:sp>
+        <p:nvSpPr>
+          <p:cNvPr id="10" name="Rounded Rectangle 9"/>
+          <p:cNvSpPr/>
+          <p:nvPr/>
+        </p:nvSpPr>
+        <p:spPr>
+          <a:xfrm>
+            <a:off x="900175" y="2195863"/>
+            <a:ext cx="1908212" cy="1296144"/>
+          </a:xfrm>
+          <a:prstGeom prst="roundRect">
+            <a:avLst/>
+          </a:prstGeom>
+        </p:spPr>
+        <p:style>
+          <a:lnRef idx="2">
+            <a:schemeClr val="accent3">
+              <a:shade val="50000"/>
+            </a:schemeClr>
+          </a:lnRef>
+          <a:fillRef idx="1">
+            <a:schemeClr val="accent3"/>
+          </a:fillRef>
+          <a:effectRef idx="0">
+            <a:schemeClr val="accent3"/>
+          </a:effectRef>
+          <a:fontRef idx="minor">
+            <a:schemeClr val="lt1"/>
+          </a:fontRef>
+        </p:style>
+        <p:txBody>
+          <a:bodyPr rtlCol="0" anchor="ctr"/>
+          <a:lstStyle/>
+          <a:p>
+            <a:pPr algn="ctr"/>
+            <a:r>
+              <a:rPr lang="en-IN" b="1" dirty="0" smtClean="0"/>
+              <a:t>Training and testing the model</a:t>
+            </a:r>
+            <a:endParaRPr lang="en-IN" b="1" dirty="0"/>
+          </a:p>
+        </p:txBody>
+      </p:sp>
+      <p:sp>
+        <p:nvSpPr>
+          <p:cNvPr id="11" name="Rounded Rectangle 10"/>
+          <p:cNvSpPr/>
+          <p:nvPr/>
+        </p:nvSpPr>
+        <p:spPr>
+          <a:xfrm>
+            <a:off x="900175" y="3880902"/>
+            <a:ext cx="1908212" cy="1080120"/>
+          </a:xfrm>
+          <a:prstGeom prst="roundRect">
+            <a:avLst/>
+          </a:prstGeom>
+        </p:spPr>
+        <p:style>
+          <a:lnRef idx="2">
+            <a:schemeClr val="accent6">
+              <a:shade val="50000"/>
+            </a:schemeClr>
+          </a:lnRef>
+          <a:fillRef idx="1">
+            <a:schemeClr val="accent6"/>
+          </a:fillRef>
+          <a:effectRef idx="0">
+            <a:schemeClr val="accent6"/>
+          </a:effectRef>
+          <a:fontRef idx="minor">
+            <a:schemeClr val="lt1"/>
+          </a:fontRef>
+        </p:style>
+        <p:txBody>
+          <a:bodyPr rtlCol="0" anchor="ctr"/>
+          <a:lstStyle/>
+          <a:p>
+            <a:pPr algn="ctr"/>
+            <a:r>
+              <a:rPr lang="en-IN" b="1" dirty="0" smtClean="0"/>
+              <a:t>Choosing Best R2 Score model</a:t>
+            </a:r>
+            <a:endParaRPr lang="en-IN" b="1" dirty="0"/>
+          </a:p>
+        </p:txBody>
+      </p:sp>
+      <p:sp>
+        <p:nvSpPr>
+          <p:cNvPr id="12" name="Round Diagonal Corner Rectangle 11"/>
+          <p:cNvSpPr/>
+          <p:nvPr/>
+        </p:nvSpPr>
+        <p:spPr>
+          <a:xfrm>
+            <a:off x="3744491" y="2192541"/>
+            <a:ext cx="1728192" cy="1299466"/>
+          </a:xfrm>
+          <a:prstGeom prst="round2DiagRect">
+            <a:avLst/>
+          </a:prstGeom>
+        </p:spPr>
+        <p:style>
+          <a:lnRef idx="1">
+            <a:schemeClr val="accent1"/>
+          </a:lnRef>
+          <a:fillRef idx="2">
+            <a:schemeClr val="accent1"/>
+          </a:fillRef>
+          <a:effectRef idx="1">
+            <a:schemeClr val="accent1"/>
+          </a:effectRef>
+          <a:fontRef idx="minor">
+            <a:schemeClr val="dk1"/>
+          </a:fontRef>
+        </p:style>
+        <p:txBody>
+          <a:bodyPr rtlCol="0" anchor="ctr"/>
+          <a:lstStyle/>
+          <a:p>
+            <a:pPr algn="ctr"/>
+            <a:r>
+              <a:rPr lang="en-IN" b="1" dirty="0" smtClean="0">
+                <a:solidFill>
+                  <a:srgbClr val="0070C0"/>
+                </a:solidFill>
+              </a:rPr>
+              <a:t>Pickle File</a:t>
+            </a:r>
+            <a:endParaRPr lang="en-IN" b="1" dirty="0">
+              <a:solidFill>
+                <a:srgbClr val="0070C0"/>
+              </a:solidFill>
+            </a:endParaRPr>
+          </a:p>
+        </p:txBody>
+      </p:sp>
+      <p:sp>
+        <p:nvSpPr>
+          <p:cNvPr id="13" name="Rectangle 12"/>
+          <p:cNvSpPr/>
+          <p:nvPr/>
+        </p:nvSpPr>
+        <p:spPr>
+          <a:xfrm>
+            <a:off x="5954282" y="610847"/>
+            <a:ext cx="2614745" cy="4906385"/>
+          </a:xfrm>
+          <a:prstGeom prst="rect">
+            <a:avLst/>
+          </a:prstGeom>
+        </p:spPr>
+        <p:style>
+          <a:lnRef idx="2">
+            <a:schemeClr val="accent5"/>
+          </a:lnRef>
+          <a:fillRef idx="1">
+            <a:schemeClr val="lt1"/>
+          </a:fillRef>
+          <a:effectRef idx="0">
+            <a:schemeClr val="accent5"/>
+          </a:effectRef>
+          <a:fontRef idx="minor">
+            <a:schemeClr val="dk1"/>
+          </a:fontRef>
+        </p:style>
+        <p:txBody>
+          <a:bodyPr rtlCol="0" anchor="ctr"/>
+          <a:lstStyle/>
+          <a:p>
+            <a:pPr algn="ctr"/>
+            <a:endParaRPr lang="en-IN"/>
+          </a:p>
+        </p:txBody>
+      </p:sp>
+      <p:sp>
+        <p:nvSpPr>
+          <p:cNvPr id="14" name="Rounded Rectangle 13"/>
+          <p:cNvSpPr/>
+          <p:nvPr/>
+        </p:nvSpPr>
+        <p:spPr>
+          <a:xfrm>
+            <a:off x="6408787" y="1088884"/>
+            <a:ext cx="1656184" cy="971964"/>
+          </a:xfrm>
+          <a:prstGeom prst="roundRect">
+            <a:avLst/>
+          </a:prstGeom>
+        </p:spPr>
+        <p:style>
+          <a:lnRef idx="1">
+            <a:schemeClr val="accent6"/>
+          </a:lnRef>
+          <a:fillRef idx="2">
+            <a:schemeClr val="accent6"/>
+          </a:fillRef>
+          <a:effectRef idx="1">
+            <a:schemeClr val="accent6"/>
+          </a:effectRef>
+          <a:fontRef idx="minor">
+            <a:schemeClr val="dk1"/>
+          </a:fontRef>
+        </p:style>
+        <p:txBody>
+          <a:bodyPr rtlCol="0" anchor="ctr"/>
+          <a:lstStyle/>
+          <a:p>
+            <a:pPr algn="ctr"/>
+            <a:r>
+              <a:rPr lang="en-IN" b="1" dirty="0" smtClean="0">
+                <a:solidFill>
+                  <a:srgbClr val="7030A0"/>
+                </a:solidFill>
+              </a:rPr>
+              <a:t>Loading of Pickle file</a:t>
+            </a:r>
+            <a:endParaRPr lang="en-IN" b="1" dirty="0">
+              <a:solidFill>
+                <a:srgbClr val="7030A0"/>
+              </a:solidFill>
+            </a:endParaRPr>
+          </a:p>
+        </p:txBody>
+      </p:sp>
+      <p:sp>
+        <p:nvSpPr>
+          <p:cNvPr id="15" name="Rounded Rectangle 14"/>
+          <p:cNvSpPr/>
+          <p:nvPr/>
+        </p:nvSpPr>
+        <p:spPr>
+          <a:xfrm>
+            <a:off x="6408787" y="2420888"/>
+            <a:ext cx="1656184" cy="971964"/>
+          </a:xfrm>
+          <a:prstGeom prst="roundRect">
+            <a:avLst/>
+          </a:prstGeom>
+        </p:spPr>
+        <p:style>
+          <a:lnRef idx="1">
+            <a:schemeClr val="accent4"/>
+          </a:lnRef>
+          <a:fillRef idx="2">
+            <a:schemeClr val="accent4"/>
+          </a:fillRef>
+          <a:effectRef idx="1">
+            <a:schemeClr val="accent4"/>
+          </a:effectRef>
+          <a:fontRef idx="minor">
+            <a:schemeClr val="dk1"/>
+          </a:fontRef>
+        </p:style>
+        <p:txBody>
+          <a:bodyPr rtlCol="0" anchor="ctr"/>
+          <a:lstStyle/>
+          <a:p>
+            <a:pPr algn="ctr"/>
+            <a:r>
+              <a:rPr lang="en-IN" b="1" dirty="0" smtClean="0"/>
+              <a:t>Taking Inputs </a:t>
+            </a:r>
+            <a:endParaRPr lang="en-IN" b="1" dirty="0"/>
+          </a:p>
+        </p:txBody>
+      </p:sp>
+      <p:sp>
+        <p:nvSpPr>
+          <p:cNvPr id="17" name="Rounded Rectangle 16"/>
+          <p:cNvSpPr/>
+          <p:nvPr/>
+        </p:nvSpPr>
+        <p:spPr>
+          <a:xfrm>
+            <a:off x="6480795" y="3861048"/>
+            <a:ext cx="1656184" cy="971964"/>
+          </a:xfrm>
+          <a:prstGeom prst="roundRect">
+            <a:avLst/>
+          </a:prstGeom>
+        </p:spPr>
+        <p:style>
+          <a:lnRef idx="1">
+            <a:schemeClr val="accent2"/>
+          </a:lnRef>
+          <a:fillRef idx="2">
+            <a:schemeClr val="accent2"/>
+          </a:fillRef>
+          <a:effectRef idx="1">
+            <a:schemeClr val="accent2"/>
+          </a:effectRef>
+          <a:fontRef idx="minor">
+            <a:schemeClr val="dk1"/>
+          </a:fontRef>
+        </p:style>
+        <p:txBody>
+          <a:bodyPr rtlCol="0" anchor="ctr"/>
+          <a:lstStyle/>
+          <a:p>
+            <a:pPr algn="ctr"/>
+            <a:r>
+              <a:rPr lang="en-IN" b="1" dirty="0" smtClean="0"/>
+              <a:t>Display Output</a:t>
+            </a:r>
+            <a:endParaRPr lang="en-IN" b="1" dirty="0"/>
+          </a:p>
+        </p:txBody>
+      </p:sp>
+      <p:sp>
+        <p:nvSpPr>
+          <p:cNvPr id="18" name="Oval 17"/>
+          <p:cNvSpPr/>
+          <p:nvPr/>
+        </p:nvSpPr>
+        <p:spPr>
+          <a:xfrm>
+            <a:off x="9217099" y="2201542"/>
+            <a:ext cx="1296144" cy="1299466"/>
+          </a:xfrm>
+          <a:prstGeom prst="ellipse">
+            <a:avLst/>
+          </a:prstGeom>
+        </p:spPr>
+        <p:style>
+          <a:lnRef idx="3">
+            <a:schemeClr val="lt1"/>
+          </a:lnRef>
+          <a:fillRef idx="1">
+            <a:schemeClr val="accent5"/>
+          </a:fillRef>
+          <a:effectRef idx="1">
+            <a:schemeClr val="accent5"/>
+          </a:effectRef>
+          <a:fontRef idx="minor">
+            <a:schemeClr val="lt1"/>
+          </a:fontRef>
+        </p:style>
+        <p:txBody>
+          <a:bodyPr rtlCol="0" anchor="ctr"/>
+          <a:lstStyle/>
+          <a:p>
+            <a:pPr algn="ctr"/>
+            <a:r>
+              <a:rPr lang="en-IN" b="1" dirty="0" smtClean="0"/>
+              <a:t>User</a:t>
+            </a:r>
+            <a:endParaRPr lang="en-IN" b="1" dirty="0"/>
+          </a:p>
+        </p:txBody>
+      </p:sp>
+      <p:sp>
+        <p:nvSpPr>
+          <p:cNvPr id="20" name="Right Arrow 19"/>
+          <p:cNvSpPr/>
+          <p:nvPr/>
+        </p:nvSpPr>
+        <p:spPr>
+          <a:xfrm>
+            <a:off x="3312443" y="2780928"/>
+            <a:ext cx="288032" cy="135015"/>
+          </a:xfrm>
+          <a:prstGeom prst="rightArrow">
+            <a:avLst/>
+          </a:prstGeom>
+        </p:spPr>
+        <p:style>
+          <a:lnRef idx="2">
+            <a:schemeClr val="accent1">
+              <a:shade val="50000"/>
+            </a:schemeClr>
+          </a:lnRef>
+          <a:fillRef idx="1">
+            <a:schemeClr val="accent1"/>
+          </a:fillRef>
+          <a:effectRef idx="0">
+            <a:schemeClr val="accent1"/>
+          </a:effectRef>
+          <a:fontRef idx="minor">
+            <a:schemeClr val="lt1"/>
+          </a:fontRef>
+        </p:style>
+        <p:txBody>
+          <a:bodyPr rtlCol="0" anchor="ctr"/>
+          <a:lstStyle/>
+          <a:p>
+            <a:pPr algn="ctr"/>
+            <a:endParaRPr lang="en-IN"/>
+          </a:p>
+        </p:txBody>
+      </p:sp>
+      <p:sp>
+        <p:nvSpPr>
+          <p:cNvPr id="21" name="Right Arrow 20"/>
+          <p:cNvSpPr/>
+          <p:nvPr/>
+        </p:nvSpPr>
+        <p:spPr>
+          <a:xfrm>
+            <a:off x="5544691" y="2780928"/>
+            <a:ext cx="288032" cy="135015"/>
+          </a:xfrm>
+          <a:prstGeom prst="rightArrow">
+            <a:avLst/>
+          </a:prstGeom>
+        </p:spPr>
+        <p:style>
+          <a:lnRef idx="2">
+            <a:schemeClr val="accent1">
+              <a:shade val="50000"/>
+            </a:schemeClr>
+          </a:lnRef>
+          <a:fillRef idx="1">
+            <a:schemeClr val="accent1"/>
+          </a:fillRef>
+          <a:effectRef idx="0">
+            <a:schemeClr val="accent1"/>
+          </a:effectRef>
+          <a:fontRef idx="minor">
+            <a:schemeClr val="lt1"/>
+          </a:fontRef>
+        </p:style>
+        <p:txBody>
+          <a:bodyPr rtlCol="0" anchor="ctr"/>
+          <a:lstStyle/>
+          <a:p>
+            <a:pPr algn="ctr"/>
+            <a:endParaRPr lang="en-IN"/>
+          </a:p>
+        </p:txBody>
+      </p:sp>
+      <p:sp>
+        <p:nvSpPr>
+          <p:cNvPr id="23" name="Right Arrow 22"/>
+          <p:cNvSpPr/>
+          <p:nvPr/>
+        </p:nvSpPr>
+        <p:spPr>
+          <a:xfrm rot="12667868">
+            <a:off x="8754321" y="1944398"/>
+            <a:ext cx="371754" cy="177121"/>
+          </a:xfrm>
+          <a:prstGeom prst="rightArrow">
+            <a:avLst/>
+          </a:prstGeom>
+        </p:spPr>
+        <p:style>
+          <a:lnRef idx="2">
+            <a:schemeClr val="accent1">
+              <a:shade val="50000"/>
+            </a:schemeClr>
+          </a:lnRef>
+          <a:fillRef idx="1">
+            <a:schemeClr val="accent1"/>
+          </a:fillRef>
+          <a:effectRef idx="0">
+            <a:schemeClr val="accent1"/>
+          </a:effectRef>
+          <a:fontRef idx="minor">
+            <a:schemeClr val="lt1"/>
+          </a:fontRef>
+        </p:style>
+        <p:txBody>
+          <a:bodyPr rtlCol="0" anchor="ctr"/>
+          <a:lstStyle/>
+          <a:p>
+            <a:pPr algn="ctr"/>
+            <a:endParaRPr lang="en-IN"/>
+          </a:p>
+        </p:txBody>
+      </p:sp>
+      <p:sp>
+        <p:nvSpPr>
+          <p:cNvPr id="24" name="Right Arrow 23"/>
+          <p:cNvSpPr/>
+          <p:nvPr/>
+        </p:nvSpPr>
+        <p:spPr>
+          <a:xfrm rot="10800000">
+            <a:off x="8663295" y="2787509"/>
+            <a:ext cx="409788" cy="276529"/>
+          </a:xfrm>
+          <a:prstGeom prst="rightArrow">
+            <a:avLst/>
+          </a:prstGeom>
+        </p:spPr>
+        <p:style>
+          <a:lnRef idx="2">
+            <a:schemeClr val="accent1">
+              <a:shade val="50000"/>
+            </a:schemeClr>
+          </a:lnRef>
+          <a:fillRef idx="1">
+            <a:schemeClr val="accent1"/>
+          </a:fillRef>
+          <a:effectRef idx="0">
+            <a:schemeClr val="accent1"/>
+          </a:effectRef>
+          <a:fontRef idx="minor">
+            <a:schemeClr val="lt1"/>
+          </a:fontRef>
+        </p:style>
+        <p:txBody>
+          <a:bodyPr rtlCol="0" anchor="ctr"/>
+          <a:lstStyle/>
+          <a:p>
+            <a:pPr algn="ctr"/>
+            <a:endParaRPr lang="en-IN"/>
+          </a:p>
+        </p:txBody>
+      </p:sp>
+      <p:sp>
+        <p:nvSpPr>
+          <p:cNvPr id="25" name="Right Arrow 24"/>
+          <p:cNvSpPr/>
+          <p:nvPr/>
+        </p:nvSpPr>
+        <p:spPr>
+          <a:xfrm rot="19111374">
+            <a:off x="8737137" y="3746226"/>
+            <a:ext cx="388901" cy="220007"/>
+          </a:xfrm>
+          <a:prstGeom prst="rightArrow">
+            <a:avLst/>
+          </a:prstGeom>
+        </p:spPr>
+        <p:style>
+          <a:lnRef idx="2">
+            <a:schemeClr val="accent1">
+              <a:shade val="50000"/>
+            </a:schemeClr>
+          </a:lnRef>
+          <a:fillRef idx="1">
+            <a:schemeClr val="accent1"/>
+          </a:fillRef>
+          <a:effectRef idx="0">
+            <a:schemeClr val="accent1"/>
+          </a:effectRef>
+          <a:fontRef idx="minor">
+            <a:schemeClr val="lt1"/>
+          </a:fontRef>
+        </p:style>
+        <p:txBody>
+          <a:bodyPr rtlCol="0" anchor="ctr"/>
+          <a:lstStyle/>
+          <a:p>
+            <a:pPr algn="ctr"/>
+            <a:endParaRPr lang="en-IN"/>
+          </a:p>
+        </p:txBody>
+      </p:sp>
+      <p:sp>
+        <p:nvSpPr>
+          <p:cNvPr id="27" name="Rectangle 26"/>
+          <p:cNvSpPr/>
+          <p:nvPr/>
+        </p:nvSpPr>
+        <p:spPr>
+          <a:xfrm>
+            <a:off x="522133" y="5733256"/>
+            <a:ext cx="2646294" cy="432048"/>
+          </a:xfrm>
+          <a:prstGeom prst="rect">
+            <a:avLst/>
+          </a:prstGeom>
+        </p:spPr>
+        <p:style>
+          <a:lnRef idx="2">
+            <a:schemeClr val="accent1"/>
+          </a:lnRef>
+          <a:fillRef idx="1">
+            <a:schemeClr val="lt1"/>
+          </a:fillRef>
+          <a:effectRef idx="0">
+            <a:schemeClr val="accent1"/>
+          </a:effectRef>
+          <a:fontRef idx="minor">
+            <a:schemeClr val="dk1"/>
+          </a:fontRef>
+        </p:style>
+        <p:txBody>
+          <a:bodyPr rtlCol="0" anchor="ctr"/>
+          <a:lstStyle/>
+          <a:p>
+            <a:pPr algn="ctr"/>
+            <a:r>
+              <a:rPr lang="en-IN" b="1" dirty="0" smtClean="0"/>
+              <a:t>Implementation of Model</a:t>
+            </a:r>
+            <a:endParaRPr lang="en-IN" b="1" dirty="0"/>
+          </a:p>
+        </p:txBody>
+      </p:sp>
+      <p:sp>
+        <p:nvSpPr>
+          <p:cNvPr id="28" name="Rectangle 27"/>
+          <p:cNvSpPr/>
+          <p:nvPr/>
+        </p:nvSpPr>
+        <p:spPr>
+          <a:xfrm>
+            <a:off x="5954282" y="5747142"/>
+            <a:ext cx="2614745" cy="432048"/>
+          </a:xfrm>
+          <a:prstGeom prst="rect">
+            <a:avLst/>
+          </a:prstGeom>
+        </p:spPr>
+        <p:style>
+          <a:lnRef idx="2">
+            <a:schemeClr val="accent2"/>
+          </a:lnRef>
+          <a:fillRef idx="1">
+            <a:schemeClr val="lt1"/>
+          </a:fillRef>
+          <a:effectRef idx="0">
+            <a:schemeClr val="accent2"/>
+          </a:effectRef>
+          <a:fontRef idx="minor">
+            <a:schemeClr val="dk1"/>
+          </a:fontRef>
+        </p:style>
+        <p:txBody>
+          <a:bodyPr rtlCol="0" anchor="ctr"/>
+          <a:lstStyle/>
+          <a:p>
+            <a:pPr algn="ctr"/>
+            <a:r>
+              <a:rPr lang="en-IN" b="1" dirty="0" smtClean="0"/>
+              <a:t>User Interface</a:t>
+            </a:r>
+            <a:endParaRPr lang="en-IN" b="1" dirty="0"/>
+          </a:p>
+        </p:txBody>
+      </p:sp>
     </p:spTree>
     <p:extLst>
       <p:ext uri="{BB962C8B-B14F-4D97-AF65-F5344CB8AC3E}">
@@ -3516,10 +5301,51 @@
         </p:nvSpPr>
         <p:spPr>
           <a:xfrm>
-            <a:off x="1519177" y="313899"/>
+            <a:off x="1440235" y="313899"/>
             <a:ext cx="1145194" cy="1050878"/>
           </a:xfrm>
           <a:prstGeom prst="ellipse">
+            <a:avLst/>
+          </a:prstGeom>
+        </p:spPr>
+        <p:style>
+          <a:lnRef idx="3">
+            <a:schemeClr val="lt1"/>
+          </a:lnRef>
+          <a:fillRef idx="1">
+            <a:schemeClr val="accent4"/>
+          </a:fillRef>
+          <a:effectRef idx="1">
+            <a:schemeClr val="accent4"/>
+          </a:effectRef>
+          <a:fontRef idx="minor">
+            <a:schemeClr val="lt1"/>
+          </a:fontRef>
+        </p:style>
+        <p:txBody>
+          <a:bodyPr rtlCol="0" anchor="ctr"/>
+          <a:lstStyle/>
+          <a:p>
+            <a:pPr algn="ctr"/>
+            <a:r>
+              <a:rPr lang="en-IN" b="1" dirty="0" smtClean="0"/>
+              <a:t>Start</a:t>
+            </a:r>
+          </a:p>
+        </p:txBody>
+      </p:sp>
+      <p:sp>
+        <p:nvSpPr>
+          <p:cNvPr id="4" name="Rounded Rectangle 3"/>
+          <p:cNvSpPr/>
+          <p:nvPr/>
+        </p:nvSpPr>
+        <p:spPr>
+          <a:xfrm>
+            <a:off x="1224211" y="1705970"/>
+            <a:ext cx="1514406" cy="1132764"/>
+          </a:xfrm>
+          <a:prstGeom prst="roundRect">
             <a:avLst/>
           </a:prstGeom>
         </p:spPr>
@@ -3545,22 +5371,23 @@
           <a:p>
             <a:pPr algn="ctr"/>
             <a:r>
-              <a:rPr lang="en-IN" dirty="0" smtClean="0"/>
-              <a:t>Start</a:t>
-            </a:r>
-          </a:p>
-        </p:txBody>
-      </p:sp>
-      <p:sp>
-        <p:nvSpPr>
-          <p:cNvPr id="4" name="Rounded Rectangle 3"/>
+              <a:rPr lang="en-IN" b="1" dirty="0" smtClean="0"/>
+              <a:t>Data Collection</a:t>
+            </a:r>
+            <a:endParaRPr lang="en-IN" b="1" dirty="0"/>
+          </a:p>
+        </p:txBody>
+      </p:sp>
+      <p:sp>
+        <p:nvSpPr>
+          <p:cNvPr id="5" name="Rounded Rectangle 4"/>
           <p:cNvSpPr/>
           <p:nvPr/>
         </p:nvSpPr>
         <p:spPr>
           <a:xfrm>
-            <a:off x="1310368" y="1705970"/>
-            <a:ext cx="1514406" cy="1132764"/>
+            <a:off x="1080195" y="3552968"/>
+            <a:ext cx="1872208" cy="980365"/>
           </a:xfrm>
           <a:prstGeom prst="roundRect">
             <a:avLst/>
@@ -3588,23 +5415,27 @@
           <a:p>
             <a:pPr algn="ctr"/>
             <a:r>
-              <a:rPr lang="en-IN" dirty="0" smtClean="0"/>
-              <a:t>Data Collection</a:t>
-            </a:r>
-            <a:endParaRPr lang="en-IN" dirty="0"/>
-          </a:p>
-        </p:txBody>
-      </p:sp>
-      <p:sp>
-        <p:nvSpPr>
-          <p:cNvPr id="5" name="Rounded Rectangle 4"/>
+              <a:rPr lang="en-IN" b="1" dirty="0" smtClean="0"/>
+              <a:t>Data </a:t>
+            </a:r>
+            <a:r>
+              <a:rPr lang="en-IN" b="1" dirty="0" smtClean="0"/>
+              <a:t>Cleaning</a:t>
+            </a:r>
+            <a:endParaRPr lang="en-IN" b="1" dirty="0" smtClean="0"/>
+          </a:p>
+        </p:txBody>
+      </p:sp>
+      <p:sp>
+        <p:nvSpPr>
+          <p:cNvPr id="6" name="Rounded Rectangle 5"/>
           <p:cNvSpPr/>
           <p:nvPr/>
         </p:nvSpPr>
         <p:spPr>
           <a:xfrm>
-            <a:off x="1224211" y="3552968"/>
-            <a:ext cx="1714043" cy="980365"/>
+            <a:off x="1080195" y="5097439"/>
+            <a:ext cx="1786051" cy="980365"/>
           </a:xfrm>
           <a:prstGeom prst="roundRect">
             <a:avLst/>
@@ -3632,29 +5463,29 @@
           <a:p>
             <a:pPr algn="ctr"/>
             <a:r>
-              <a:rPr lang="en-IN" dirty="0" smtClean="0"/>
+              <a:rPr lang="en-IN" b="1" dirty="0" smtClean="0"/>
               <a:t>Data </a:t>
             </a:r>
             <a:r>
-              <a:rPr lang="en-IN" dirty="0" smtClean="0"/>
+              <a:rPr lang="en-IN" b="1" dirty="0" smtClean="0"/>
               <a:t>Transformation</a:t>
             </a:r>
-            <a:endParaRPr lang="en-IN" dirty="0" smtClean="0"/>
-          </a:p>
-        </p:txBody>
-      </p:sp>
-      <p:sp>
-        <p:nvSpPr>
-          <p:cNvPr id="6" name="Rounded Rectangle 5"/>
+            <a:endParaRPr lang="en-IN" b="1" dirty="0" smtClean="0"/>
+          </a:p>
+        </p:txBody>
+      </p:sp>
+      <p:sp>
+        <p:nvSpPr>
+          <p:cNvPr id="8" name="Flowchart: Decision 7"/>
           <p:cNvSpPr/>
           <p:nvPr/>
         </p:nvSpPr>
         <p:spPr>
           <a:xfrm>
-            <a:off x="1224211" y="5097439"/>
-            <a:ext cx="1714043" cy="980365"/>
-          </a:xfrm>
-          <a:prstGeom prst="roundRect">
+            <a:off x="6120755" y="241213"/>
+            <a:ext cx="2736304" cy="1603611"/>
+          </a:xfrm>
+          <a:prstGeom prst="flowChartDecision">
             <a:avLst/>
           </a:prstGeom>
         </p:spPr>
@@ -3680,29 +5511,32 @@
           <a:p>
             <a:pPr algn="ctr"/>
             <a:r>
-              <a:rPr lang="en-IN" dirty="0" smtClean="0"/>
-              <a:t>Data </a:t>
-            </a:r>
-            <a:r>
-              <a:rPr lang="en-IN" dirty="0" smtClean="0"/>
-              <a:t>Cleaning</a:t>
-            </a:r>
-            <a:endParaRPr lang="en-IN" dirty="0" smtClean="0"/>
-          </a:p>
-        </p:txBody>
-      </p:sp>
-      <p:sp>
-        <p:nvSpPr>
-          <p:cNvPr id="8" name="Flowchart: Decision 7"/>
+              <a:rPr lang="en-IN" b="1" dirty="0" smtClean="0"/>
+              <a:t>Data Processing</a:t>
+            </a:r>
+          </a:p>
+          <a:p>
+            <a:pPr algn="ctr"/>
+            <a:r>
+              <a:rPr lang="en-IN" b="1" dirty="0" smtClean="0"/>
+              <a:t>(ML Models)</a:t>
+            </a:r>
+            <a:endParaRPr lang="en-IN" b="1" dirty="0"/>
+          </a:p>
+        </p:txBody>
+      </p:sp>
+      <p:sp>
+        <p:nvSpPr>
+          <p:cNvPr id="11" name="Rounded Rectangle 10"/>
           <p:cNvSpPr/>
           <p:nvPr/>
         </p:nvSpPr>
         <p:spPr>
           <a:xfrm>
-            <a:off x="6311535" y="241213"/>
-            <a:ext cx="2345667" cy="1603611"/>
-          </a:xfrm>
-          <a:prstGeom prst="flowChartDecision">
+            <a:off x="4968627" y="2403210"/>
+            <a:ext cx="1305835" cy="809766"/>
+          </a:xfrm>
+          <a:prstGeom prst="roundRect">
             <a:avLst/>
           </a:prstGeom>
         </p:spPr>
@@ -3728,29 +5562,22 @@
           <a:p>
             <a:pPr algn="ctr"/>
             <a:r>
-              <a:rPr lang="en-IN" dirty="0" smtClean="0"/>
-              <a:t>Data Processing</a:t>
-            </a:r>
-          </a:p>
-          <a:p>
-            <a:pPr algn="ctr"/>
-            <a:r>
-              <a:rPr lang="en-IN" dirty="0" smtClean="0"/>
-              <a:t>(ML Models)</a:t>
-            </a:r>
-            <a:endParaRPr lang="en-IN" dirty="0"/>
-          </a:p>
-        </p:txBody>
-      </p:sp>
-      <p:sp>
-        <p:nvSpPr>
-          <p:cNvPr id="11" name="Rounded Rectangle 10"/>
+              <a:rPr lang="en-IN" b="1" dirty="0" smtClean="0"/>
+              <a:t>Random Forest</a:t>
+            </a:r>
+            <a:endParaRPr lang="en-IN" b="1" dirty="0"/>
+          </a:p>
+        </p:txBody>
+      </p:sp>
+      <p:sp>
+        <p:nvSpPr>
+          <p:cNvPr id="12" name="Rounded Rectangle 11"/>
           <p:cNvSpPr/>
           <p:nvPr/>
         </p:nvSpPr>
         <p:spPr>
           <a:xfrm>
-            <a:off x="4968627" y="2403210"/>
+            <a:off x="6831144" y="2403210"/>
             <a:ext cx="1305835" cy="809766"/>
           </a:xfrm>
           <a:prstGeom prst="roundRect">
@@ -3779,26 +5606,22 @@
           <a:p>
             <a:pPr algn="ctr"/>
             <a:r>
-              <a:rPr lang="en-IN" dirty="0" smtClean="0"/>
-              <a:t>Random </a:t>
-            </a:r>
-            <a:r>
-              <a:rPr lang="en-IN" dirty="0" smtClean="0"/>
-              <a:t>Forest</a:t>
-            </a:r>
-            <a:endParaRPr lang="en-IN" dirty="0"/>
-          </a:p>
-        </p:txBody>
-      </p:sp>
-      <p:sp>
-        <p:nvSpPr>
-          <p:cNvPr id="12" name="Rounded Rectangle 11"/>
+              <a:rPr lang="en-IN" b="1" dirty="0" smtClean="0"/>
+              <a:t>XGBoost Regression</a:t>
+            </a:r>
+            <a:endParaRPr lang="en-IN" b="1" dirty="0"/>
+          </a:p>
+        </p:txBody>
+      </p:sp>
+      <p:sp>
+        <p:nvSpPr>
+          <p:cNvPr id="13" name="Rounded Rectangle 12"/>
           <p:cNvSpPr/>
           <p:nvPr/>
         </p:nvSpPr>
         <p:spPr>
           <a:xfrm>
-            <a:off x="6831144" y="2403210"/>
+            <a:off x="8713043" y="2403210"/>
             <a:ext cx="1305835" cy="809766"/>
           </a:xfrm>
           <a:prstGeom prst="roundRect">
@@ -3827,25 +5650,63 @@
           <a:p>
             <a:pPr algn="ctr"/>
             <a:r>
-              <a:rPr lang="en-IN" dirty="0" smtClean="0"/>
-              <a:t>XGBoost Regression</a:t>
-            </a:r>
-            <a:endParaRPr lang="en-IN" dirty="0"/>
-          </a:p>
-        </p:txBody>
-      </p:sp>
-      <p:sp>
-        <p:nvSpPr>
-          <p:cNvPr id="13" name="Rounded Rectangle 12"/>
+              <a:rPr lang="en-IN" b="1" dirty="0" smtClean="0"/>
+              <a:t>AdaBoost Regression</a:t>
+            </a:r>
+            <a:endParaRPr lang="en-IN" b="1" dirty="0"/>
+          </a:p>
+        </p:txBody>
+      </p:sp>
+      <p:cxnSp>
+        <p:nvCxnSpPr>
+          <p:cNvPr id="15" name="Elbow Connector 14"/>
+          <p:cNvCxnSpPr>
+            <a:stCxn id="6" idx="3"/>
+            <a:endCxn id="8" idx="1"/>
+          </p:cNvCxnSpPr>
+          <p:nvPr/>
+        </p:nvCxnSpPr>
+        <p:spPr>
+          <a:xfrm flipV="1">
+            <a:off x="2866246" y="1043019"/>
+            <a:ext cx="3254509" cy="4544603"/>
+          </a:xfrm>
+          <a:prstGeom prst="bentConnector3">
+            <a:avLst>
+              <a:gd name="adj1" fmla="val 50000"/>
+            </a:avLst>
+          </a:prstGeom>
+          <a:ln>
+            <a:tailEnd type="arrow"/>
+          </a:ln>
+        </p:spPr>
+        <p:style>
+          <a:lnRef idx="1">
+            <a:schemeClr val="accent1"/>
+          </a:lnRef>
+          <a:fillRef idx="0">
+            <a:schemeClr val="accent1"/>
+          </a:fillRef>
+          <a:effectRef idx="0">
+            <a:schemeClr val="accent1"/>
+          </a:effectRef>
+          <a:fontRef idx="minor">
+            <a:schemeClr val="tx1"/>
+          </a:fontRef>
+        </p:style>
+      </p:cxnSp>
+      <p:sp>
+        <p:nvSpPr>
+          <p:cNvPr id="18" name="Down Arrow 17"/>
           <p:cNvSpPr/>
           <p:nvPr/>
         </p:nvSpPr>
         <p:spPr>
           <a:xfrm>
-            <a:off x="8713043" y="2403210"/>
-            <a:ext cx="1305835" cy="809766"/>
-          </a:xfrm>
-          <a:prstGeom prst="roundRect">
+            <a:off x="1944291" y="1412776"/>
+            <a:ext cx="108821" cy="232011"/>
+          </a:xfrm>
+          <a:prstGeom prst="downArrow">
             <a:avLst/>
           </a:prstGeom>
         </p:spPr>
@@ -3870,62 +5731,20 @@
           <a:lstStyle/>
           <a:p>
             <a:pPr algn="ctr"/>
-            <a:r>
-              <a:rPr lang="en-IN" dirty="0" smtClean="0"/>
-              <a:t>AdaBoost Regression</a:t>
-            </a:r>
-            <a:endParaRPr lang="en-IN" dirty="0"/>
-          </a:p>
-        </p:txBody>
-      </p:sp>
-      <p:cxnSp>
-        <p:nvCxnSpPr>
-          <p:cNvPr id="15" name="Elbow Connector 14"/>
-          <p:cNvCxnSpPr>
-            <a:stCxn id="6" idx="3"/>
-            <a:endCxn id="8" idx="1"/>
-          </p:cNvCxnSpPr>
-          <p:nvPr/>
-        </p:nvCxnSpPr>
-        <p:spPr>
-          <a:xfrm flipV="1">
-            <a:off x="2938254" y="1043019"/>
-            <a:ext cx="3373281" cy="4544603"/>
-          </a:xfrm>
-          <a:prstGeom prst="bentConnector3">
-            <a:avLst>
-              <a:gd name="adj1" fmla="val 42196"/>
-            </a:avLst>
-          </a:prstGeom>
-          <a:ln>
-            <a:tailEnd type="arrow"/>
-          </a:ln>
-        </p:spPr>
-        <p:style>
-          <a:lnRef idx="1">
-            <a:schemeClr val="accent1"/>
-          </a:lnRef>
-          <a:fillRef idx="0">
-            <a:schemeClr val="accent1"/>
-          </a:fillRef>
-          <a:effectRef idx="0">
-            <a:schemeClr val="accent1"/>
-          </a:effectRef>
-          <a:fontRef idx="minor">
-            <a:schemeClr val="tx1"/>
-          </a:fontRef>
-        </p:style>
-      </p:cxnSp>
-      <p:sp>
-        <p:nvSpPr>
-          <p:cNvPr id="18" name="Down Arrow 17"/>
+            <a:endParaRPr lang="en-IN"/>
+          </a:p>
+        </p:txBody>
+      </p:sp>
+      <p:sp>
+        <p:nvSpPr>
+          <p:cNvPr id="19" name="Down Arrow 18"/>
           <p:cNvSpPr/>
           <p:nvPr/>
         </p:nvSpPr>
         <p:spPr>
           <a:xfrm>
-            <a:off x="2013160" y="1453489"/>
-            <a:ext cx="108821" cy="232011"/>
+            <a:off x="1944291" y="3002509"/>
+            <a:ext cx="108821" cy="359391"/>
           </a:xfrm>
           <a:prstGeom prst="downArrow">
             <a:avLst/>
@@ -3958,13 +5777,13 @@
       </p:sp>
       <p:sp>
         <p:nvSpPr>
-          <p:cNvPr id="19" name="Down Arrow 18"/>
+          <p:cNvPr id="20" name="Down Arrow 19"/>
           <p:cNvSpPr/>
           <p:nvPr/>
         </p:nvSpPr>
         <p:spPr>
           <a:xfrm>
-            <a:off x="2013160" y="3002509"/>
+            <a:off x="1944291" y="4653785"/>
             <a:ext cx="108821" cy="359391"/>
           </a:xfrm>
           <a:prstGeom prst="downArrow">
@@ -3996,46 +5815,6 @@
           </a:p>
         </p:txBody>
       </p:sp>
-      <p:sp>
-        <p:nvSpPr>
-          <p:cNvPr id="20" name="Down Arrow 19"/>
-          <p:cNvSpPr/>
-          <p:nvPr/>
-        </p:nvSpPr>
-        <p:spPr>
-          <a:xfrm>
-            <a:off x="2021218" y="4653785"/>
-            <a:ext cx="108821" cy="359391"/>
-          </a:xfrm>
-          <a:prstGeom prst="downArrow">
-            <a:avLst/>
-          </a:prstGeom>
-        </p:spPr>
-        <p:style>
-          <a:lnRef idx="2">
-            <a:schemeClr val="accent1">
-              <a:shade val="50000"/>
-            </a:schemeClr>
-          </a:lnRef>
-          <a:fillRef idx="1">
-            <a:schemeClr val="accent1"/>
-          </a:fillRef>
-          <a:effectRef idx="0">
-            <a:schemeClr val="accent1"/>
-          </a:effectRef>
-          <a:fontRef idx="minor">
-            <a:schemeClr val="lt1"/>
-          </a:fontRef>
-        </p:style>
-        <p:txBody>
-          <a:bodyPr rtlCol="0" anchor="ctr"/>
-          <a:lstStyle/>
-          <a:p>
-            <a:pPr algn="ctr"/>
-            <a:endParaRPr lang="en-IN"/>
-          </a:p>
-        </p:txBody>
-      </p:sp>
       <p:cxnSp>
         <p:nvCxnSpPr>
           <p:cNvPr id="24" name="Straight Arrow Connector 23"/>
@@ -4048,7 +5827,7 @@
         <p:spPr>
           <a:xfrm flipH="1">
             <a:off x="5621545" y="1844824"/>
-            <a:ext cx="1862824" cy="558386"/>
+            <a:ext cx="1867362" cy="558386"/>
           </a:xfrm>
           <a:prstGeom prst="straightConnector1">
             <a:avLst/>
@@ -4084,7 +5863,7 @@
         <p:spPr>
           <a:xfrm flipH="1">
             <a:off x="7484062" y="1844824"/>
-            <a:ext cx="307" cy="558386"/>
+            <a:ext cx="4845" cy="558386"/>
           </a:xfrm>
           <a:prstGeom prst="straightConnector1">
             <a:avLst/>
@@ -4119,8 +5898,8 @@
         </p:nvCxnSpPr>
         <p:spPr>
           <a:xfrm>
-            <a:off x="7484369" y="1844824"/>
-            <a:ext cx="1881592" cy="558386"/>
+            <a:off x="7488907" y="1844824"/>
+            <a:ext cx="1877054" cy="558386"/>
           </a:xfrm>
           <a:prstGeom prst="straightConnector1">
             <a:avLst/>
@@ -4181,10 +5960,10 @@
           <a:p>
             <a:pPr algn="ctr"/>
             <a:r>
-              <a:rPr lang="en-IN" dirty="0" smtClean="0"/>
+              <a:rPr lang="en-IN" b="1" dirty="0" smtClean="0"/>
               <a:t>Best R2 Score Model</a:t>
             </a:r>
-            <a:endParaRPr lang="en-IN" dirty="0"/>
+            <a:endParaRPr lang="en-IN" b="1" dirty="0"/>
           </a:p>
         </p:txBody>
       </p:sp>
@@ -4225,10 +6004,10 @@
           <a:p>
             <a:pPr algn="ctr"/>
             <a:r>
-              <a:rPr lang="en-IN" dirty="0" smtClean="0"/>
+              <a:rPr lang="en-IN" b="1" dirty="0" smtClean="0"/>
               <a:t>Pickle File</a:t>
             </a:r>
-            <a:endParaRPr lang="en-IN" dirty="0"/>
+            <a:endParaRPr lang="en-IN" b="1" dirty="0"/>
           </a:p>
         </p:txBody>
       </p:sp>
@@ -4459,7 +6238,13 @@
               <a:rPr lang="en-IN" sz="2800" b="1" dirty="0" smtClean="0">
                 <a:latin typeface="Bell MT" pitchFamily="18" charset="0"/>
               </a:rPr>
-              <a:t>Data extracted from website, Instead of downloading datasets from online sources</a:t>
+              <a:t>Data will be </a:t>
+            </a:r>
+            <a:r>
+              <a:rPr lang="en-IN" sz="2800" b="1" dirty="0" smtClean="0">
+                <a:latin typeface="Bell MT" pitchFamily="18" charset="0"/>
+              </a:rPr>
+              <a:t>extracted from website, Instead of downloading datasets from online sources</a:t>
             </a:r>
           </a:p>
           <a:p>
@@ -4485,13 +6270,13 @@
               <a:rPr lang="en-IN" sz="2800" b="1" dirty="0" smtClean="0">
                 <a:latin typeface="Bell MT" pitchFamily="18" charset="0"/>
               </a:rPr>
-              <a:t>Sources: cars24, </a:t>
-            </a:r>
-            <a:r>
-              <a:rPr lang="en-IN" sz="2800" b="1" dirty="0" err="1" smtClean="0">
+              <a:t>Sources: </a:t>
+            </a:r>
+            <a:r>
+              <a:rPr lang="en-IN" sz="2800" b="1" dirty="0" smtClean="0">
                 <a:latin typeface="Bell MT" pitchFamily="18" charset="0"/>
               </a:rPr>
-              <a:t>cardekho</a:t>
+              <a:t>cars24</a:t>
             </a:r>
             <a:endParaRPr lang="en-IN" sz="2800" b="1" dirty="0" smtClean="0">
               <a:latin typeface="Bell MT" pitchFamily="18" charset="0"/>
@@ -4922,11 +6707,7 @@
           <a:p>
             <a:r>
               <a:rPr lang="en-IN" dirty="0" smtClean="0"/>
-              <a:t>Modules Used </a:t>
-            </a:r>
-            <a:r>
-              <a:rPr lang="en-IN" dirty="0" smtClean="0"/>
-              <a:t>for Data Extraction</a:t>
+              <a:t>Modules Used for Data Extraction</a:t>
             </a:r>
             <a:endParaRPr lang="en-IN" dirty="0"/>
           </a:p>
@@ -5830,7 +7611,12 @@
             <p:ph type="title"/>
           </p:nvPr>
         </p:nvSpPr>
-        <p:spPr/>
+        <p:spPr>
+          <a:xfrm>
+            <a:off x="540068" y="274638"/>
+            <a:ext cx="9721215" cy="922114"/>
+          </a:xfrm>
+        </p:spPr>
         <p:txBody>
           <a:bodyPr/>
           <a:lstStyle/>
@@ -5843,25 +7629,196 @@
           </a:p>
         </p:txBody>
       </p:sp>
-      <p:sp>
-        <p:nvSpPr>
-          <p:cNvPr id="3" name="Content Placeholder 2"/>
-          <p:cNvSpPr>
-            <a:spLocks noGrp="1"/>
-          </p:cNvSpPr>
-          <p:nvPr>
-            <p:ph idx="1"/>
-          </p:nvPr>
-        </p:nvSpPr>
-        <p:spPr/>
-        <p:txBody>
-          <a:bodyPr/>
-          <a:lstStyle/>
-          <a:p>
-            <a:endParaRPr lang="en-IN" dirty="0"/>
-          </a:p>
-        </p:txBody>
-      </p:sp>
+      <p:pic>
+        <p:nvPicPr>
+          <p:cNvPr id="1027" name="Picture 3"/>
+          <p:cNvPicPr>
+            <a:picLocks noChangeAspect="1" noChangeArrowheads="1"/>
+          </p:cNvPicPr>
+          <p:nvPr/>
+        </p:nvPicPr>
+        <p:blipFill rotWithShape="1">
+          <a:blip r:embed="rId2">
+            <a:extLst>
+              <a:ext uri="{28A0092B-C50C-407E-A947-70E740481C1C}">
+                <a14:useLocalDpi xmlns:a14="http://schemas.microsoft.com/office/drawing/2010/main" val="0"/>
+              </a:ext>
+            </a:extLst>
+          </a:blip>
+          <a:srcRect b="38139"/>
+          <a:stretch/>
+        </p:blipFill>
+        <p:spPr bwMode="auto">
+          <a:xfrm>
+            <a:off x="144091" y="4149080"/>
+            <a:ext cx="9073008" cy="2089823"/>
+          </a:xfrm>
+          <a:prstGeom prst="rect">
+            <a:avLst/>
+          </a:prstGeom>
+          <a:noFill/>
+          <a:ln>
+            <a:noFill/>
+          </a:ln>
+          <a:effectLst/>
+          <a:extLst>
+            <a:ext uri="{909E8E84-426E-40DD-AFC4-6F175D3DCCD1}">
+              <a14:hiddenFill xmlns:a14="http://schemas.microsoft.com/office/drawing/2010/main">
+                <a:solidFill>
+                  <a:schemeClr val="accent1"/>
+                </a:solidFill>
+              </a14:hiddenFill>
+            </a:ext>
+            <a:ext uri="{91240B29-F687-4F45-9708-019B960494DF}">
+              <a14:hiddenLine xmlns:a14="http://schemas.microsoft.com/office/drawing/2010/main" w="9525">
+                <a:solidFill>
+                  <a:schemeClr val="tx1"/>
+                </a:solidFill>
+                <a:miter lim="800000"/>
+                <a:headEnd/>
+                <a:tailEnd/>
+              </a14:hiddenLine>
+            </a:ext>
+            <a:ext uri="{AF507438-7753-43E0-B8FC-AC1667EBCBE1}">
+              <a14:hiddenEffects xmlns:a14="http://schemas.microsoft.com/office/drawing/2010/main">
+                <a:effectLst>
+                  <a:outerShdw dist="35921" dir="2700000" algn="ctr" rotWithShape="0">
+                    <a:schemeClr val="bg2"/>
+                  </a:outerShdw>
+                </a:effectLst>
+              </a14:hiddenEffects>
+            </a:ext>
+          </a:extLst>
+        </p:spPr>
+      </p:pic>
+      <p:pic>
+        <p:nvPicPr>
+          <p:cNvPr id="6" name="Picture 3"/>
+          <p:cNvPicPr>
+            <a:picLocks noChangeAspect="1" noChangeArrowheads="1"/>
+          </p:cNvPicPr>
+          <p:nvPr/>
+        </p:nvPicPr>
+        <p:blipFill>
+          <a:blip r:embed="rId3">
+            <a:extLst>
+              <a:ext uri="{28A0092B-C50C-407E-A947-70E740481C1C}">
+                <a14:useLocalDpi xmlns:a14="http://schemas.microsoft.com/office/drawing/2010/main" val="0"/>
+              </a:ext>
+            </a:extLst>
+          </a:blip>
+          <a:srcRect/>
+          <a:stretch>
+            <a:fillRect/>
+          </a:stretch>
+        </p:blipFill>
+        <p:spPr bwMode="auto">
+          <a:xfrm>
+            <a:off x="1080195" y="1196752"/>
+            <a:ext cx="5904656" cy="2437366"/>
+          </a:xfrm>
+          <a:prstGeom prst="rect">
+            <a:avLst/>
+          </a:prstGeom>
+          <a:noFill/>
+          <a:ln>
+            <a:noFill/>
+          </a:ln>
+          <a:effectLst/>
+          <a:extLst>
+            <a:ext uri="{909E8E84-426E-40DD-AFC4-6F175D3DCCD1}">
+              <a14:hiddenFill xmlns:a14="http://schemas.microsoft.com/office/drawing/2010/main">
+                <a:solidFill>
+                  <a:schemeClr val="accent1"/>
+                </a:solidFill>
+              </a14:hiddenFill>
+            </a:ext>
+            <a:ext uri="{91240B29-F687-4F45-9708-019B960494DF}">
+              <a14:hiddenLine xmlns:a14="http://schemas.microsoft.com/office/drawing/2010/main" w="9525">
+                <a:solidFill>
+                  <a:schemeClr val="tx1"/>
+                </a:solidFill>
+                <a:miter lim="800000"/>
+                <a:headEnd/>
+                <a:tailEnd/>
+              </a14:hiddenLine>
+            </a:ext>
+            <a:ext uri="{AF507438-7753-43E0-B8FC-AC1667EBCBE1}">
+              <a14:hiddenEffects xmlns:a14="http://schemas.microsoft.com/office/drawing/2010/main">
+                <a:effectLst>
+                  <a:outerShdw dist="35921" dir="2700000" algn="ctr" rotWithShape="0">
+                    <a:schemeClr val="bg2"/>
+                  </a:outerShdw>
+                </a:effectLst>
+              </a14:hiddenEffects>
+            </a:ext>
+          </a:extLst>
+        </p:spPr>
+      </p:pic>
+      <p:pic>
+        <p:nvPicPr>
+          <p:cNvPr id="1028" name="Picture 4"/>
+          <p:cNvPicPr>
+            <a:picLocks noChangeAspect="1" noChangeArrowheads="1"/>
+          </p:cNvPicPr>
+          <p:nvPr/>
+        </p:nvPicPr>
+        <p:blipFill>
+          <a:blip r:embed="rId4">
+            <a:extLst>
+              <a:ext uri="{28A0092B-C50C-407E-A947-70E740481C1C}">
+                <a14:useLocalDpi xmlns:a14="http://schemas.microsoft.com/office/drawing/2010/main" val="0"/>
+              </a:ext>
+            </a:extLst>
+          </a:blip>
+          <a:srcRect/>
+          <a:stretch>
+            <a:fillRect/>
+          </a:stretch>
+        </p:blipFill>
+        <p:spPr bwMode="auto">
+          <a:xfrm>
+            <a:off x="8641035" y="1498402"/>
+            <a:ext cx="1919481" cy="1838048"/>
+          </a:xfrm>
+          <a:prstGeom prst="rect">
+            <a:avLst/>
+          </a:prstGeom>
+          <a:noFill/>
+          <a:ln>
+            <a:noFill/>
+          </a:ln>
+          <a:effectLst/>
+          <a:extLst>
+            <a:ext uri="{909E8E84-426E-40DD-AFC4-6F175D3DCCD1}">
+              <a14:hiddenFill xmlns:a14="http://schemas.microsoft.com/office/drawing/2010/main">
+                <a:solidFill>
+                  <a:schemeClr val="accent1"/>
+                </a:solidFill>
+              </a14:hiddenFill>
+            </a:ext>
+            <a:ext uri="{91240B29-F687-4F45-9708-019B960494DF}">
+              <a14:hiddenLine xmlns:a14="http://schemas.microsoft.com/office/drawing/2010/main" w="9525">
+                <a:solidFill>
+                  <a:schemeClr val="tx1"/>
+                </a:solidFill>
+                <a:miter lim="800000"/>
+                <a:headEnd/>
+                <a:tailEnd/>
+              </a14:hiddenLine>
+            </a:ext>
+            <a:ext uri="{AF507438-7753-43E0-B8FC-AC1667EBCBE1}">
+              <a14:hiddenEffects xmlns:a14="http://schemas.microsoft.com/office/drawing/2010/main">
+                <a:effectLst>
+                  <a:outerShdw dist="35921" dir="2700000" algn="ctr" rotWithShape="0">
+                    <a:schemeClr val="bg2"/>
+                  </a:outerShdw>
+                </a:effectLst>
+              </a14:hiddenEffects>
+            </a:ext>
+          </a:extLst>
+        </p:spPr>
+      </p:pic>
     </p:spTree>
     <p:extLst>
       <p:ext uri="{BB962C8B-B14F-4D97-AF65-F5344CB8AC3E}">
